--- a/MarcEdit Presentation.pptx
+++ b/MarcEdit Presentation.pptx
@@ -236,7 +236,7 @@
           <a:p>
             <a:fld id="{BDE72EFF-37BA-4E37-A7B4-F986972A2D39}" type="datetime1">
               <a:rPr lang="en-US" smtClean="0"/>
-              <a:t>2/26/2019</a:t>
+              <a:t>3/4/2019</a:t>
             </a:fld>
             <a:endParaRPr lang="en-US"/>
           </a:p>
@@ -402,7 +402,7 @@
           <a:p>
             <a:fld id="{22ACBF18-CCEB-4C0F-BD34-B25379DF731C}" type="datetime1">
               <a:rPr lang="en-US" smtClean="0"/>
-              <a:t>2/26/2019</a:t>
+              <a:t>3/4/2019</a:t>
             </a:fld>
             <a:endParaRPr lang="en-US"/>
           </a:p>
@@ -742,7 +742,7 @@
           <a:p>
             <a:fld id="{22ACBF18-CCEB-4C0F-BD34-B25379DF731C}" type="datetime1">
               <a:rPr lang="en-US" smtClean="0"/>
-              <a:t>2/26/2019</a:t>
+              <a:t>3/4/2019</a:t>
             </a:fld>
             <a:endParaRPr lang="en-US"/>
           </a:p>
@@ -1199,7 +1199,7 @@
           <a:p>
             <a:fld id="{3FBE73F6-CC32-4E23-A77C-A78467F7B49F}" type="datetime1">
               <a:rPr lang="en-US" smtClean="0"/>
-              <a:t>2/26/2019</a:t>
+              <a:t>3/4/2019</a:t>
             </a:fld>
             <a:endParaRPr lang="en-US"/>
           </a:p>
@@ -1475,7 +1475,7 @@
             <a:fld id="{8775D896-12E6-4B94-8302-C0AB3910BE25}" type="datetime1">
               <a:rPr lang="en-US" smtClean="0"/>
               <a:pPr/>
-              <a:t>2/26/2019</a:t>
+              <a:t>3/4/2019</a:t>
             </a:fld>
             <a:endParaRPr lang="en-US" dirty="0"/>
           </a:p>
@@ -1556,7 +1556,7 @@
           <a:p>
             <a:fld id="{719AF69B-6F72-496F-969E-92B1B63D5E5D}" type="datetime1">
               <a:rPr lang="en-US" smtClean="0"/>
-              <a:t>2/26/2019</a:t>
+              <a:t>3/4/2019</a:t>
             </a:fld>
             <a:endParaRPr lang="en-US"/>
           </a:p>
@@ -2614,7 +2614,7 @@
           <a:p>
             <a:fld id="{74AC6590-68BB-4849-A38F-23082145FD7C}" type="datetime1">
               <a:rPr lang="en-US" smtClean="0"/>
-              <a:t>2/26/2019</a:t>
+              <a:t>3/4/2019</a:t>
             </a:fld>
             <a:endParaRPr lang="en-US"/>
           </a:p>
@@ -3333,7 +3333,7 @@
             <a:fld id="{8775D896-12E6-4B94-8302-C0AB3910BE25}" type="datetime1">
               <a:rPr lang="en-US" smtClean="0"/>
               <a:pPr/>
-              <a:t>2/26/2019</a:t>
+              <a:t>3/4/2019</a:t>
             </a:fld>
             <a:endParaRPr lang="en-US" dirty="0"/>
           </a:p>
@@ -3570,7 +3570,7 @@
             <a:fld id="{8775D896-12E6-4B94-8302-C0AB3910BE25}" type="datetime1">
               <a:rPr lang="en-US" smtClean="0"/>
               <a:pPr/>
-              <a:t>2/26/2019</a:t>
+              <a:t>3/4/2019</a:t>
             </a:fld>
             <a:endParaRPr lang="en-US" dirty="0"/>
           </a:p>
@@ -3855,7 +3855,7 @@
             <a:fld id="{8775D896-12E6-4B94-8302-C0AB3910BE25}" type="datetime1">
               <a:rPr lang="en-US" smtClean="0"/>
               <a:pPr/>
-              <a:t>2/26/2019</a:t>
+              <a:t>3/4/2019</a:t>
             </a:fld>
             <a:endParaRPr lang="en-US" dirty="0"/>
           </a:p>
@@ -4002,14 +4002,14 @@
           <a:effectLst/>
           <a:extLst>
             <a:ext uri="{909E8E84-426E-40dd-AFC4-6F175D3DCCD1}">
-              <a14:hiddenFill xmlns="" xmlns:a14="http://schemas.microsoft.com/office/drawing/2010/main">
+              <a14:hiddenFill xmlns:a14="http://schemas.microsoft.com/office/drawing/2010/main" xmlns="">
                 <a:solidFill>
                   <a:schemeClr val="accent1"/>
                 </a:solidFill>
               </a14:hiddenFill>
             </a:ext>
             <a:ext uri="{91240B29-F687-4f45-9708-019B960494DF}">
-              <a14:hiddenLine xmlns="" xmlns:a14="http://schemas.microsoft.com/office/drawing/2010/main" w="9525" cap="flat" cmpd="sng" algn="ctr">
+              <a14:hiddenLine xmlns:a14="http://schemas.microsoft.com/office/drawing/2010/main" xmlns="" w="9525" cap="flat" cmpd="sng" algn="ctr">
                 <a:solidFill>
                   <a:schemeClr val="tx1"/>
                 </a:solidFill>
@@ -4020,7 +4020,7 @@
               </a14:hiddenLine>
             </a:ext>
             <a:ext uri="{AF507438-7753-43e0-B8FC-AC1667EBCBE1}">
-              <a14:hiddenEffects xmlns="" xmlns:a14="http://schemas.microsoft.com/office/drawing/2010/main">
+              <a14:hiddenEffects xmlns:a14="http://schemas.microsoft.com/office/drawing/2010/main" xmlns="">
                 <a:effectLst>
                   <a:outerShdw blurRad="63500" dist="35921" dir="2700000" algn="ctr" rotWithShape="0">
                     <a:schemeClr val="bg2"/>
@@ -4091,14 +4091,14 @@
           <a:effectLst/>
           <a:extLst>
             <a:ext uri="{909E8E84-426E-40dd-AFC4-6F175D3DCCD1}">
-              <a14:hiddenFill xmlns="" xmlns:a14="http://schemas.microsoft.com/office/drawing/2010/main">
+              <a14:hiddenFill xmlns:a14="http://schemas.microsoft.com/office/drawing/2010/main" xmlns="">
                 <a:solidFill>
                   <a:schemeClr val="accent1"/>
                 </a:solidFill>
               </a14:hiddenFill>
             </a:ext>
             <a:ext uri="{91240B29-F687-4f45-9708-019B960494DF}">
-              <a14:hiddenLine xmlns="" xmlns:a14="http://schemas.microsoft.com/office/drawing/2010/main" w="9525" cap="flat" cmpd="sng" algn="ctr">
+              <a14:hiddenLine xmlns:a14="http://schemas.microsoft.com/office/drawing/2010/main" xmlns="" w="9525" cap="flat" cmpd="sng" algn="ctr">
                 <a:solidFill>
                   <a:schemeClr val="tx1"/>
                 </a:solidFill>
@@ -4109,7 +4109,7 @@
               </a14:hiddenLine>
             </a:ext>
             <a:ext uri="{AF507438-7753-43e0-B8FC-AC1667EBCBE1}">
-              <a14:hiddenEffects xmlns="" xmlns:a14="http://schemas.microsoft.com/office/drawing/2010/main">
+              <a14:hiddenEffects xmlns:a14="http://schemas.microsoft.com/office/drawing/2010/main" xmlns="">
                 <a:effectLst>
                   <a:outerShdw blurRad="63500" dist="35921" dir="2700000" algn="ctr" rotWithShape="0">
                     <a:schemeClr val="bg2"/>
@@ -4204,14 +4204,14 @@
           <a:effectLst/>
           <a:extLst>
             <a:ext uri="{909E8E84-426E-40dd-AFC4-6F175D3DCCD1}">
-              <a14:hiddenFill xmlns="" xmlns:a14="http://schemas.microsoft.com/office/drawing/2010/main">
+              <a14:hiddenFill xmlns:a14="http://schemas.microsoft.com/office/drawing/2010/main" xmlns="">
                 <a:solidFill>
                   <a:schemeClr val="accent1"/>
                 </a:solidFill>
               </a14:hiddenFill>
             </a:ext>
             <a:ext uri="{91240B29-F687-4f45-9708-019B960494DF}">
-              <a14:hiddenLine xmlns="" xmlns:a14="http://schemas.microsoft.com/office/drawing/2010/main" w="9525" cap="flat" cmpd="sng" algn="ctr">
+              <a14:hiddenLine xmlns:a14="http://schemas.microsoft.com/office/drawing/2010/main" xmlns="" w="9525" cap="flat" cmpd="sng" algn="ctr">
                 <a:solidFill>
                   <a:schemeClr val="tx1"/>
                 </a:solidFill>
@@ -4222,7 +4222,7 @@
               </a14:hiddenLine>
             </a:ext>
             <a:ext uri="{AF507438-7753-43e0-B8FC-AC1667EBCBE1}">
-              <a14:hiddenEffects xmlns="" xmlns:a14="http://schemas.microsoft.com/office/drawing/2010/main">
+              <a14:hiddenEffects xmlns:a14="http://schemas.microsoft.com/office/drawing/2010/main" xmlns="">
                 <a:effectLst>
                   <a:outerShdw blurRad="63500" dist="35921" dir="2700000" algn="ctr" rotWithShape="0">
                     <a:schemeClr val="bg2"/>
@@ -4293,14 +4293,14 @@
           <a:effectLst/>
           <a:extLst>
             <a:ext uri="{909E8E84-426E-40dd-AFC4-6F175D3DCCD1}">
-              <a14:hiddenFill xmlns="" xmlns:a14="http://schemas.microsoft.com/office/drawing/2010/main">
+              <a14:hiddenFill xmlns:a14="http://schemas.microsoft.com/office/drawing/2010/main" xmlns="">
                 <a:solidFill>
                   <a:schemeClr val="accent1"/>
                 </a:solidFill>
               </a14:hiddenFill>
             </a:ext>
             <a:ext uri="{91240B29-F687-4f45-9708-019B960494DF}">
-              <a14:hiddenLine xmlns="" xmlns:a14="http://schemas.microsoft.com/office/drawing/2010/main" w="9525" cap="flat" cmpd="sng" algn="ctr">
+              <a14:hiddenLine xmlns:a14="http://schemas.microsoft.com/office/drawing/2010/main" xmlns="" w="9525" cap="flat" cmpd="sng" algn="ctr">
                 <a:solidFill>
                   <a:schemeClr val="tx1"/>
                 </a:solidFill>
@@ -4311,7 +4311,7 @@
               </a14:hiddenLine>
             </a:ext>
             <a:ext uri="{AF507438-7753-43e0-B8FC-AC1667EBCBE1}">
-              <a14:hiddenEffects xmlns="" xmlns:a14="http://schemas.microsoft.com/office/drawing/2010/main">
+              <a14:hiddenEffects xmlns:a14="http://schemas.microsoft.com/office/drawing/2010/main" xmlns="">
                 <a:effectLst>
                   <a:outerShdw blurRad="63500" dist="35921" dir="2700000" algn="ctr" rotWithShape="0">
                     <a:schemeClr val="bg2"/>
@@ -4424,14 +4424,14 @@
           <a:effectLst/>
           <a:extLst>
             <a:ext uri="{909E8E84-426E-40dd-AFC4-6F175D3DCCD1}">
-              <a14:hiddenFill xmlns="" xmlns:a14="http://schemas.microsoft.com/office/drawing/2010/main">
+              <a14:hiddenFill xmlns:a14="http://schemas.microsoft.com/office/drawing/2010/main" xmlns="">
                 <a:solidFill>
                   <a:schemeClr val="accent1"/>
                 </a:solidFill>
               </a14:hiddenFill>
             </a:ext>
             <a:ext uri="{91240B29-F687-4f45-9708-019B960494DF}">
-              <a14:hiddenLine xmlns="" xmlns:a14="http://schemas.microsoft.com/office/drawing/2010/main" w="9525" cap="flat" cmpd="sng" algn="ctr">
+              <a14:hiddenLine xmlns:a14="http://schemas.microsoft.com/office/drawing/2010/main" xmlns="" w="9525" cap="flat" cmpd="sng" algn="ctr">
                 <a:solidFill>
                   <a:schemeClr val="tx1"/>
                 </a:solidFill>
@@ -4442,7 +4442,7 @@
               </a14:hiddenLine>
             </a:ext>
             <a:ext uri="{AF507438-7753-43e0-B8FC-AC1667EBCBE1}">
-              <a14:hiddenEffects xmlns="" xmlns:a14="http://schemas.microsoft.com/office/drawing/2010/main">
+              <a14:hiddenEffects xmlns:a14="http://schemas.microsoft.com/office/drawing/2010/main" xmlns="">
                 <a:effectLst>
                   <a:outerShdw blurRad="63500" dist="35921" dir="2700000" algn="ctr" rotWithShape="0">
                     <a:schemeClr val="bg2"/>
@@ -4552,11 +4552,7 @@
             <a:pPr algn="ctr"/>
             <a:r>
               <a:rPr lang="en-US" dirty="0" smtClean="0"/>
-              <a:t>Making a Print Record an Online </a:t>
-            </a:r>
-            <a:r>
-              <a:rPr lang="en-US" dirty="0" smtClean="0"/>
-              <a:t>Record</a:t>
+              <a:t>Making a Print Record an Online Record</a:t>
             </a:r>
             <a:endParaRPr lang="en-US" dirty="0"/>
           </a:p>
@@ -4580,7 +4576,7 @@
             <a:fld id="{8775D896-12E6-4B94-8302-C0AB3910BE25}" type="datetime1">
               <a:rPr lang="en-US" smtClean="0"/>
               <a:pPr/>
-              <a:t>2/26/2019</a:t>
+              <a:t>3/4/2019</a:t>
             </a:fld>
             <a:endParaRPr lang="en-US" dirty="0"/>
           </a:p>
@@ -4939,7 +4935,7 @@
             <a:fld id="{8775D896-12E6-4B94-8302-C0AB3910BE25}" type="datetime1">
               <a:rPr lang="en-US" smtClean="0"/>
               <a:pPr/>
-              <a:t>2/26/2019</a:t>
+              <a:t>3/4/2019</a:t>
             </a:fld>
             <a:endParaRPr lang="en-US" dirty="0"/>
           </a:p>
@@ -5128,11 +5124,7 @@
             </a:br>
             <a:r>
               <a:rPr lang="en-US" dirty="0" smtClean="0"/>
-              <a:t>Adding </a:t>
-            </a:r>
-            <a:r>
-              <a:rPr lang="en-US" dirty="0" smtClean="0"/>
-              <a:t>Relator Field $e</a:t>
+              <a:t>Adding Relator Field $e</a:t>
             </a:r>
             <a:endParaRPr lang="en-US" dirty="0"/>
           </a:p>
@@ -5156,7 +5148,7 @@
             <a:fld id="{8775D896-12E6-4B94-8302-C0AB3910BE25}" type="datetime1">
               <a:rPr lang="en-US" smtClean="0"/>
               <a:pPr/>
-              <a:t>2/26/2019</a:t>
+              <a:t>3/4/2019</a:t>
             </a:fld>
             <a:endParaRPr lang="en-US" dirty="0"/>
           </a:p>
@@ -5396,7 +5388,7 @@
             <a:fld id="{8775D896-12E6-4B94-8302-C0AB3910BE25}" type="datetime1">
               <a:rPr lang="en-US" smtClean="0"/>
               <a:pPr/>
-              <a:t>2/26/2019</a:t>
+              <a:t>3/4/2019</a:t>
             </a:fld>
             <a:endParaRPr lang="en-US" dirty="0"/>
           </a:p>
@@ -5912,7 +5904,7 @@
             <a:fld id="{8775D896-12E6-4B94-8302-C0AB3910BE25}" type="datetime1">
               <a:rPr lang="en-US" smtClean="0"/>
               <a:pPr/>
-              <a:t>2/26/2019</a:t>
+              <a:t>3/4/2019</a:t>
             </a:fld>
             <a:endParaRPr lang="en-US" dirty="0"/>
           </a:p>
@@ -6322,11 +6314,7 @@
             <a:pPr algn="ctr"/>
             <a:r>
               <a:rPr lang="en-US" dirty="0" smtClean="0"/>
-              <a:t>856 URL Field </a:t>
-            </a:r>
-            <a:r>
-              <a:rPr lang="en-US" dirty="0" smtClean="0"/>
-              <a:t>Work</a:t>
+              <a:t>856 URL Field Work</a:t>
             </a:r>
             <a:br>
               <a:rPr lang="en-US" dirty="0" smtClean="0"/>
@@ -6334,10 +6322,6 @@
             <a:r>
               <a:rPr lang="en-US" dirty="0" smtClean="0"/>
               <a:t>Deleting Subfields</a:t>
-            </a:r>
-            <a:r>
-              <a:rPr lang="en-US" dirty="0" smtClean="0"/>
-              <a:t/>
             </a:r>
             <a:br>
               <a:rPr lang="en-US" dirty="0" smtClean="0"/>
@@ -6374,7 +6358,7 @@
             <a:fld id="{8775D896-12E6-4B94-8302-C0AB3910BE25}" type="datetime1">
               <a:rPr lang="en-US" smtClean="0"/>
               <a:pPr/>
-              <a:t>2/26/2019</a:t>
+              <a:t>3/4/2019</a:t>
             </a:fld>
             <a:endParaRPr lang="en-US" dirty="0"/>
           </a:p>
@@ -6519,14 +6503,14 @@
           <a:effectLst/>
           <a:extLst>
             <a:ext uri="{909E8E84-426E-40dd-AFC4-6F175D3DCCD1}">
-              <a14:hiddenFill xmlns="" xmlns:a14="http://schemas.microsoft.com/office/drawing/2010/main">
+              <a14:hiddenFill xmlns:a14="http://schemas.microsoft.com/office/drawing/2010/main" xmlns="">
                 <a:solidFill>
                   <a:schemeClr val="accent1"/>
                 </a:solidFill>
               </a14:hiddenFill>
             </a:ext>
             <a:ext uri="{91240B29-F687-4f45-9708-019B960494DF}">
-              <a14:hiddenLine xmlns="" xmlns:a14="http://schemas.microsoft.com/office/drawing/2010/main" w="9525" cap="flat" cmpd="sng" algn="ctr">
+              <a14:hiddenLine xmlns:a14="http://schemas.microsoft.com/office/drawing/2010/main" xmlns="" w="9525" cap="flat" cmpd="sng" algn="ctr">
                 <a:solidFill>
                   <a:schemeClr val="tx1"/>
                 </a:solidFill>
@@ -6537,7 +6521,7 @@
               </a14:hiddenLine>
             </a:ext>
             <a:ext uri="{AF507438-7753-43e0-B8FC-AC1667EBCBE1}">
-              <a14:hiddenEffects xmlns="" xmlns:a14="http://schemas.microsoft.com/office/drawing/2010/main">
+              <a14:hiddenEffects xmlns:a14="http://schemas.microsoft.com/office/drawing/2010/main" xmlns="">
                 <a:effectLst>
                   <a:outerShdw blurRad="63500" dist="35921" dir="2700000" algn="ctr" rotWithShape="0">
                     <a:schemeClr val="bg2"/>
@@ -6609,11 +6593,7 @@
             <a:pPr algn="ctr"/>
             <a:r>
               <a:rPr lang="en-US" dirty="0" smtClean="0"/>
-              <a:t>856 URL Field </a:t>
-            </a:r>
-            <a:r>
-              <a:rPr lang="en-US" dirty="0" smtClean="0"/>
-              <a:t>Work</a:t>
+              <a:t>856 URL Field Work</a:t>
             </a:r>
             <a:br>
               <a:rPr lang="en-US" dirty="0" smtClean="0"/>
@@ -6621,10 +6601,6 @@
             <a:r>
               <a:rPr lang="en-US" dirty="0" smtClean="0"/>
               <a:t>Adding $z</a:t>
-            </a:r>
-            <a:r>
-              <a:rPr lang="en-US" dirty="0" smtClean="0"/>
-              <a:t/>
             </a:r>
             <a:br>
               <a:rPr lang="en-US" dirty="0" smtClean="0"/>
@@ -6661,7 +6637,7 @@
             <a:fld id="{8775D896-12E6-4B94-8302-C0AB3910BE25}" type="datetime1">
               <a:rPr lang="en-US" smtClean="0"/>
               <a:pPr/>
-              <a:t>2/26/2019</a:t>
+              <a:t>3/4/2019</a:t>
             </a:fld>
             <a:endParaRPr lang="en-US" dirty="0"/>
           </a:p>
@@ -6806,14 +6782,14 @@
           <a:effectLst/>
           <a:extLst>
             <a:ext uri="{909E8E84-426E-40dd-AFC4-6F175D3DCCD1}">
-              <a14:hiddenFill xmlns="" xmlns:a14="http://schemas.microsoft.com/office/drawing/2010/main">
+              <a14:hiddenFill xmlns:a14="http://schemas.microsoft.com/office/drawing/2010/main" xmlns="">
                 <a:solidFill>
                   <a:schemeClr val="accent1"/>
                 </a:solidFill>
               </a14:hiddenFill>
             </a:ext>
             <a:ext uri="{91240B29-F687-4f45-9708-019B960494DF}">
-              <a14:hiddenLine xmlns="" xmlns:a14="http://schemas.microsoft.com/office/drawing/2010/main" w="9525" cap="flat" cmpd="sng" algn="ctr">
+              <a14:hiddenLine xmlns:a14="http://schemas.microsoft.com/office/drawing/2010/main" xmlns="" w="9525" cap="flat" cmpd="sng" algn="ctr">
                 <a:solidFill>
                   <a:schemeClr val="tx1"/>
                 </a:solidFill>
@@ -6824,7 +6800,7 @@
               </a14:hiddenLine>
             </a:ext>
             <a:ext uri="{AF507438-7753-43e0-B8FC-AC1667EBCBE1}">
-              <a14:hiddenEffects xmlns="" xmlns:a14="http://schemas.microsoft.com/office/drawing/2010/main">
+              <a14:hiddenEffects xmlns:a14="http://schemas.microsoft.com/office/drawing/2010/main" xmlns="">
                 <a:effectLst>
                   <a:outerShdw blurRad="63500" dist="35921" dir="2700000" algn="ctr" rotWithShape="0">
                     <a:schemeClr val="bg2"/>
@@ -6919,7 +6895,7 @@
           <a:p>
             <a:fld id="{9474BCAD-7323-4BF6-B0B3-365A146F341B}" type="datetime1">
               <a:rPr lang="en-US" smtClean="0"/>
-              <a:t>2/26/2019</a:t>
+              <a:t>3/4/2019</a:t>
             </a:fld>
             <a:endParaRPr lang="en-US"/>
           </a:p>
@@ -7115,11 +7091,7 @@
             <a:pPr algn="ctr"/>
             <a:r>
               <a:rPr lang="en-US" dirty="0" smtClean="0"/>
-              <a:t>856 URL Field </a:t>
-            </a:r>
-            <a:r>
-              <a:rPr lang="en-US" dirty="0" smtClean="0"/>
-              <a:t>Work</a:t>
+              <a:t>856 URL Field Work</a:t>
             </a:r>
             <a:br>
               <a:rPr lang="en-US" dirty="0" smtClean="0"/>
@@ -7127,10 +7099,6 @@
             <a:r>
               <a:rPr lang="en-US" dirty="0" smtClean="0"/>
               <a:t>Adding proxy URL prefix</a:t>
-            </a:r>
-            <a:r>
-              <a:rPr lang="en-US" dirty="0" smtClean="0"/>
-              <a:t/>
             </a:r>
             <a:br>
               <a:rPr lang="en-US" dirty="0" smtClean="0"/>
@@ -7167,7 +7135,7 @@
             <a:fld id="{8775D896-12E6-4B94-8302-C0AB3910BE25}" type="datetime1">
               <a:rPr lang="en-US" smtClean="0"/>
               <a:pPr/>
-              <a:t>2/26/2019</a:t>
+              <a:t>3/4/2019</a:t>
             </a:fld>
             <a:endParaRPr lang="en-US" dirty="0"/>
           </a:p>
@@ -7288,14 +7256,14 @@
           <a:effectLst/>
           <a:extLst>
             <a:ext uri="{909E8E84-426E-40dd-AFC4-6F175D3DCCD1}">
-              <a14:hiddenFill xmlns="" xmlns:a14="http://schemas.microsoft.com/office/drawing/2010/main">
+              <a14:hiddenFill xmlns:a14="http://schemas.microsoft.com/office/drawing/2010/main" xmlns="">
                 <a:solidFill>
                   <a:schemeClr val="accent1"/>
                 </a:solidFill>
               </a14:hiddenFill>
             </a:ext>
             <a:ext uri="{91240B29-F687-4f45-9708-019B960494DF}">
-              <a14:hiddenLine xmlns="" xmlns:a14="http://schemas.microsoft.com/office/drawing/2010/main" w="9525" cap="flat" cmpd="sng" algn="ctr">
+              <a14:hiddenLine xmlns:a14="http://schemas.microsoft.com/office/drawing/2010/main" xmlns="" w="9525" cap="flat" cmpd="sng" algn="ctr">
                 <a:solidFill>
                   <a:schemeClr val="tx1"/>
                 </a:solidFill>
@@ -7306,7 +7274,7 @@
               </a14:hiddenLine>
             </a:ext>
             <a:ext uri="{AF507438-7753-43e0-B8FC-AC1667EBCBE1}">
-              <a14:hiddenEffects xmlns="" xmlns:a14="http://schemas.microsoft.com/office/drawing/2010/main">
+              <a14:hiddenEffects xmlns:a14="http://schemas.microsoft.com/office/drawing/2010/main" xmlns="">
                 <a:effectLst>
                   <a:outerShdw blurRad="63500" dist="35921" dir="2700000" algn="ctr" rotWithShape="0">
                     <a:schemeClr val="bg2"/>
@@ -7439,7 +7407,7 @@
             <a:fld id="{8775D896-12E6-4B94-8302-C0AB3910BE25}" type="datetime1">
               <a:rPr lang="en-US" smtClean="0"/>
               <a:pPr/>
-              <a:t>2/26/2019</a:t>
+              <a:t>3/4/2019</a:t>
             </a:fld>
             <a:endParaRPr lang="en-US" dirty="0"/>
           </a:p>
@@ -7541,14 +7509,14 @@
           <a:effectLst/>
           <a:extLst>
             <a:ext uri="{909E8E84-426E-40dd-AFC4-6F175D3DCCD1}">
-              <a14:hiddenFill xmlns="" xmlns:a14="http://schemas.microsoft.com/office/drawing/2010/main">
+              <a14:hiddenFill xmlns:a14="http://schemas.microsoft.com/office/drawing/2010/main" xmlns="">
                 <a:solidFill>
                   <a:schemeClr val="accent1"/>
                 </a:solidFill>
               </a14:hiddenFill>
             </a:ext>
             <a:ext uri="{91240B29-F687-4f45-9708-019B960494DF}">
-              <a14:hiddenLine xmlns="" xmlns:a14="http://schemas.microsoft.com/office/drawing/2010/main" w="9525" cap="flat" cmpd="sng" algn="ctr">
+              <a14:hiddenLine xmlns:a14="http://schemas.microsoft.com/office/drawing/2010/main" xmlns="" w="9525" cap="flat" cmpd="sng" algn="ctr">
                 <a:solidFill>
                   <a:schemeClr val="tx1"/>
                 </a:solidFill>
@@ -7559,7 +7527,7 @@
               </a14:hiddenLine>
             </a:ext>
             <a:ext uri="{AF507438-7753-43e0-B8FC-AC1667EBCBE1}">
-              <a14:hiddenEffects xmlns="" xmlns:a14="http://schemas.microsoft.com/office/drawing/2010/main">
+              <a14:hiddenEffects xmlns:a14="http://schemas.microsoft.com/office/drawing/2010/main" xmlns="">
                 <a:effectLst>
                   <a:outerShdw blurRad="63500" dist="35921" dir="2700000" algn="ctr" rotWithShape="0">
                     <a:schemeClr val="bg2"/>
@@ -8061,7 +8029,7 @@
             <a:fld id="{8775D896-12E6-4B94-8302-C0AB3910BE25}" type="datetime1">
               <a:rPr lang="en-US" smtClean="0"/>
               <a:pPr/>
-              <a:t>2/26/2019</a:t>
+              <a:t>3/4/2019</a:t>
             </a:fld>
             <a:endParaRPr lang="en-US" dirty="0"/>
           </a:p>
@@ -8144,14 +8112,14 @@
           <a:effectLst/>
           <a:extLst>
             <a:ext uri="{909E8E84-426E-40dd-AFC4-6F175D3DCCD1}">
-              <a14:hiddenFill xmlns="" xmlns:a14="http://schemas.microsoft.com/office/drawing/2010/main">
+              <a14:hiddenFill xmlns:a14="http://schemas.microsoft.com/office/drawing/2010/main" xmlns="">
                 <a:solidFill>
                   <a:schemeClr val="accent1"/>
                 </a:solidFill>
               </a14:hiddenFill>
             </a:ext>
             <a:ext uri="{91240B29-F687-4f45-9708-019B960494DF}">
-              <a14:hiddenLine xmlns="" xmlns:a14="http://schemas.microsoft.com/office/drawing/2010/main" w="9525" cap="flat" cmpd="sng" algn="ctr">
+              <a14:hiddenLine xmlns:a14="http://schemas.microsoft.com/office/drawing/2010/main" xmlns="" w="9525" cap="flat" cmpd="sng" algn="ctr">
                 <a:solidFill>
                   <a:schemeClr val="tx1"/>
                 </a:solidFill>
@@ -8162,7 +8130,7 @@
               </a14:hiddenLine>
             </a:ext>
             <a:ext uri="{AF507438-7753-43e0-B8FC-AC1667EBCBE1}">
-              <a14:hiddenEffects xmlns="" xmlns:a14="http://schemas.microsoft.com/office/drawing/2010/main">
+              <a14:hiddenEffects xmlns:a14="http://schemas.microsoft.com/office/drawing/2010/main" xmlns="">
                 <a:effectLst>
                   <a:outerShdw blurRad="63500" dist="35921" dir="2700000" algn="ctr" rotWithShape="0">
                     <a:schemeClr val="bg2"/>
@@ -8908,14 +8876,14 @@
           <a:effectLst/>
           <a:extLst>
             <a:ext uri="{909E8E84-426E-40dd-AFC4-6F175D3DCCD1}">
-              <a14:hiddenFill xmlns="" xmlns:a14="http://schemas.microsoft.com/office/drawing/2010/main">
+              <a14:hiddenFill xmlns:a14="http://schemas.microsoft.com/office/drawing/2010/main" xmlns="">
                 <a:solidFill>
                   <a:schemeClr val="accent1"/>
                 </a:solidFill>
               </a14:hiddenFill>
             </a:ext>
             <a:ext uri="{91240B29-F687-4f45-9708-019B960494DF}">
-              <a14:hiddenLine xmlns="" xmlns:a14="http://schemas.microsoft.com/office/drawing/2010/main" w="9525" cap="flat" cmpd="sng" algn="ctr">
+              <a14:hiddenLine xmlns:a14="http://schemas.microsoft.com/office/drawing/2010/main" xmlns="" w="9525" cap="flat" cmpd="sng" algn="ctr">
                 <a:solidFill>
                   <a:schemeClr val="tx1"/>
                 </a:solidFill>
@@ -8926,7 +8894,7 @@
               </a14:hiddenLine>
             </a:ext>
             <a:ext uri="{AF507438-7753-43e0-B8FC-AC1667EBCBE1}">
-              <a14:hiddenEffects xmlns="" xmlns:a14="http://schemas.microsoft.com/office/drawing/2010/main">
+              <a14:hiddenEffects xmlns:a14="http://schemas.microsoft.com/office/drawing/2010/main" xmlns="">
                 <a:effectLst>
                   <a:outerShdw blurRad="63500" dist="35921" dir="2700000" algn="ctr" rotWithShape="0">
                     <a:schemeClr val="bg2"/>
@@ -9035,7 +9003,7 @@
             <a:fld id="{8775D896-12E6-4B94-8302-C0AB3910BE25}" type="datetime1">
               <a:rPr lang="en-US" smtClean="0"/>
               <a:pPr/>
-              <a:t>2/26/2019</a:t>
+              <a:t>3/4/2019</a:t>
             </a:fld>
             <a:endParaRPr lang="en-US" dirty="0"/>
           </a:p>
@@ -9149,7 +9117,7 @@
           <a:p>
             <a:fld id="{719AF69B-6F72-496F-969E-92B1B63D5E5D}" type="datetime1">
               <a:rPr lang="en-US" smtClean="0"/>
-              <a:t>2/26/2019</a:t>
+              <a:t>3/4/2019</a:t>
             </a:fld>
             <a:endParaRPr lang="en-US"/>
           </a:p>
@@ -9314,7 +9282,7 @@
           <a:p>
             <a:fld id="{8775D896-12E6-4B94-8302-C0AB3910BE25}" type="datetime1">
               <a:rPr lang="en-US" smtClean="0"/>
-              <a:t>2/26/2019</a:t>
+              <a:t>3/4/2019</a:t>
             </a:fld>
             <a:endParaRPr lang="en-US"/>
           </a:p>
@@ -9451,7 +9419,7 @@
           <a:p>
             <a:fld id="{8775D896-12E6-4B94-8302-C0AB3910BE25}" type="datetime1">
               <a:rPr lang="en-US" smtClean="0"/>
-              <a:t>2/26/2019</a:t>
+              <a:t>3/4/2019</a:t>
             </a:fld>
             <a:endParaRPr lang="en-US"/>
           </a:p>
@@ -9491,7 +9459,7 @@
         <p:spPr>
           <a:xfrm>
             <a:off x="502023" y="1981200"/>
-            <a:ext cx="8153400" cy="666750"/>
+            <a:ext cx="8153400" cy="1447800"/>
           </a:xfrm>
           <a:prstGeom prst="rect">
             <a:avLst/>
@@ -9673,9 +9641,33 @@
           <a:p>
             <a:pPr algn="ctr"/>
             <a:r>
+              <a:rPr lang="en-US" sz="2800" kern="0" dirty="0">
+                <a:hlinkClick r:id="rId2"/>
+              </a:rPr>
+              <a:t>https://</a:t>
+            </a:r>
+            <a:r>
+              <a:rPr lang="en-US" sz="2800" kern="0" dirty="0" smtClean="0">
+                <a:hlinkClick r:id="rId2"/>
+              </a:rPr>
+              <a:t>github.com/WanAndy/MarcEditStuff</a:t>
+            </a:r>
+            <a:endParaRPr lang="en-US" sz="2800" kern="0" dirty="0" smtClean="0"/>
+          </a:p>
+          <a:p>
+            <a:pPr algn="ctr"/>
+            <a:endParaRPr lang="en-US" sz="2800" kern="0" dirty="0"/>
+          </a:p>
+          <a:p>
+            <a:pPr algn="ctr"/>
+            <a:r>
               <a:rPr lang="en-US" sz="2800" kern="0" dirty="0"/>
               <a:t>https://github.com/WanAndy/MarcEditStuff</a:t>
             </a:r>
+          </a:p>
+          <a:p>
+            <a:pPr algn="ctr"/>
+            <a:endParaRPr lang="en-US" sz="2800" kern="0" dirty="0"/>
           </a:p>
         </p:txBody>
       </p:sp>
@@ -9766,7 +9758,7 @@
             <a:fld id="{8775D896-12E6-4B94-8302-C0AB3910BE25}" type="datetime1">
               <a:rPr lang="en-US" smtClean="0"/>
               <a:pPr/>
-              <a:t>2/26/2019</a:t>
+              <a:t>3/4/2019</a:t>
             </a:fld>
             <a:endParaRPr lang="en-US" dirty="0"/>
           </a:p>
@@ -9948,7 +9940,7 @@
             <a:fld id="{8775D896-12E6-4B94-8302-C0AB3910BE25}" type="datetime1">
               <a:rPr lang="en-US" smtClean="0"/>
               <a:pPr/>
-              <a:t>2/26/2019</a:t>
+              <a:t>3/4/2019</a:t>
             </a:fld>
             <a:endParaRPr lang="en-US" dirty="0"/>
           </a:p>
@@ -10058,11 +10050,7 @@
             </a:r>
             <a:r>
               <a:rPr lang="en-US" sz="1800" dirty="0" smtClean="0"/>
-              <a:t> </a:t>
-            </a:r>
-            <a:r>
-              <a:rPr lang="en-US" sz="1800" dirty="0" smtClean="0"/>
-              <a:t>default is .</a:t>
+              <a:t> default is .</a:t>
             </a:r>
             <a:r>
               <a:rPr lang="en-US" sz="1800" dirty="0" err="1" smtClean="0"/>
@@ -10087,11 +10075,7 @@
             </a:pPr>
             <a:r>
               <a:rPr lang="en-US" sz="1800" dirty="0" smtClean="0"/>
-              <a:t>File-&gt;</a:t>
-            </a:r>
-            <a:r>
-              <a:rPr lang="en-US" sz="1800" dirty="0" smtClean="0"/>
-              <a:t>Open-&gt;.</a:t>
+              <a:t>File-&gt;Open-&gt;.</a:t>
             </a:r>
             <a:r>
               <a:rPr lang="en-US" sz="1800" dirty="0" err="1" smtClean="0"/>
@@ -10781,7 +10765,7 @@
             <a:fld id="{8775D896-12E6-4B94-8302-C0AB3910BE25}" type="datetime1">
               <a:rPr lang="en-US" smtClean="0"/>
               <a:pPr/>
-              <a:t>2/26/2019</a:t>
+              <a:t>3/4/2019</a:t>
             </a:fld>
             <a:endParaRPr lang="en-US" dirty="0"/>
           </a:p>
@@ -10926,14 +10910,14 @@
           <a:effectLst/>
           <a:extLst>
             <a:ext uri="{909E8E84-426E-40dd-AFC4-6F175D3DCCD1}">
-              <a14:hiddenFill xmlns="" xmlns:a14="http://schemas.microsoft.com/office/drawing/2010/main">
+              <a14:hiddenFill xmlns:a14="http://schemas.microsoft.com/office/drawing/2010/main" xmlns="">
                 <a:solidFill>
                   <a:schemeClr val="accent1"/>
                 </a:solidFill>
               </a14:hiddenFill>
             </a:ext>
             <a:ext uri="{91240B29-F687-4f45-9708-019B960494DF}">
-              <a14:hiddenLine xmlns="" xmlns:a14="http://schemas.microsoft.com/office/drawing/2010/main" w="9525" cap="flat" cmpd="sng" algn="ctr">
+              <a14:hiddenLine xmlns:a14="http://schemas.microsoft.com/office/drawing/2010/main" xmlns="" w="9525" cap="flat" cmpd="sng" algn="ctr">
                 <a:solidFill>
                   <a:schemeClr val="tx1"/>
                 </a:solidFill>
@@ -10944,7 +10928,7 @@
               </a14:hiddenLine>
             </a:ext>
             <a:ext uri="{AF507438-7753-43e0-B8FC-AC1667EBCBE1}">
-              <a14:hiddenEffects xmlns="" xmlns:a14="http://schemas.microsoft.com/office/drawing/2010/main">
+              <a14:hiddenEffects xmlns:a14="http://schemas.microsoft.com/office/drawing/2010/main" xmlns="">
                 <a:effectLst>
                   <a:outerShdw blurRad="63500" dist="35921" dir="2700000" algn="ctr" rotWithShape="0">
                     <a:schemeClr val="bg2"/>
@@ -11015,14 +10999,14 @@
           <a:effectLst/>
           <a:extLst>
             <a:ext uri="{909E8E84-426E-40dd-AFC4-6F175D3DCCD1}">
-              <a14:hiddenFill xmlns="" xmlns:a14="http://schemas.microsoft.com/office/drawing/2010/main">
+              <a14:hiddenFill xmlns:a14="http://schemas.microsoft.com/office/drawing/2010/main" xmlns="">
                 <a:solidFill>
                   <a:schemeClr val="accent1"/>
                 </a:solidFill>
               </a14:hiddenFill>
             </a:ext>
             <a:ext uri="{91240B29-F687-4f45-9708-019B960494DF}">
-              <a14:hiddenLine xmlns="" xmlns:a14="http://schemas.microsoft.com/office/drawing/2010/main" w="9525" cap="flat" cmpd="sng" algn="ctr">
+              <a14:hiddenLine xmlns:a14="http://schemas.microsoft.com/office/drawing/2010/main" xmlns="" w="9525" cap="flat" cmpd="sng" algn="ctr">
                 <a:solidFill>
                   <a:schemeClr val="tx1"/>
                 </a:solidFill>
@@ -11033,7 +11017,7 @@
               </a14:hiddenLine>
             </a:ext>
             <a:ext uri="{AF507438-7753-43e0-B8FC-AC1667EBCBE1}">
-              <a14:hiddenEffects xmlns="" xmlns:a14="http://schemas.microsoft.com/office/drawing/2010/main">
+              <a14:hiddenEffects xmlns:a14="http://schemas.microsoft.com/office/drawing/2010/main" xmlns="">
                 <a:effectLst>
                   <a:outerShdw blurRad="63500" dist="35921" dir="2700000" algn="ctr" rotWithShape="0">
                     <a:schemeClr val="bg2"/>
@@ -11137,7 +11121,7 @@
             <a:fld id="{8775D896-12E6-4B94-8302-C0AB3910BE25}" type="datetime1">
               <a:rPr lang="en-US" smtClean="0"/>
               <a:pPr/>
-              <a:t>2/26/2019</a:t>
+              <a:t>3/4/2019</a:t>
             </a:fld>
             <a:endParaRPr lang="en-US" dirty="0"/>
           </a:p>
@@ -11312,14 +11296,14 @@
           <a:effectLst/>
           <a:extLst>
             <a:ext uri="{909E8E84-426E-40dd-AFC4-6F175D3DCCD1}">
-              <a14:hiddenFill xmlns="" xmlns:a14="http://schemas.microsoft.com/office/drawing/2010/main">
+              <a14:hiddenFill xmlns:a14="http://schemas.microsoft.com/office/drawing/2010/main" xmlns="">
                 <a:solidFill>
                   <a:schemeClr val="accent1"/>
                 </a:solidFill>
               </a14:hiddenFill>
             </a:ext>
             <a:ext uri="{91240B29-F687-4f45-9708-019B960494DF}">
-              <a14:hiddenLine xmlns="" xmlns:a14="http://schemas.microsoft.com/office/drawing/2010/main" w="9525" cap="flat" cmpd="sng" algn="ctr">
+              <a14:hiddenLine xmlns:a14="http://schemas.microsoft.com/office/drawing/2010/main" xmlns="" w="9525" cap="flat" cmpd="sng" algn="ctr">
                 <a:solidFill>
                   <a:schemeClr val="tx1"/>
                 </a:solidFill>
@@ -11330,7 +11314,7 @@
               </a14:hiddenLine>
             </a:ext>
             <a:ext uri="{AF507438-7753-43e0-B8FC-AC1667EBCBE1}">
-              <a14:hiddenEffects xmlns="" xmlns:a14="http://schemas.microsoft.com/office/drawing/2010/main">
+              <a14:hiddenEffects xmlns:a14="http://schemas.microsoft.com/office/drawing/2010/main" xmlns="">
                 <a:effectLst>
                   <a:outerShdw blurRad="63500" dist="35921" dir="2700000" algn="ctr" rotWithShape="0">
                     <a:schemeClr val="bg2"/>
@@ -11637,14 +11621,14 @@
         <a:effectLst/>
         <a:extLst>
           <a:ext uri="{909E8E84-426E-40dd-AFC4-6F175D3DCCD1}">
-            <a14:hiddenFill xmlns="" xmlns:a14="http://schemas.microsoft.com/office/drawing/2010/main">
+            <a14:hiddenFill xmlns:a14="http://schemas.microsoft.com/office/drawing/2010/main" xmlns="">
               <a:solidFill>
                 <a:schemeClr val="accent1"/>
               </a:solidFill>
             </a14:hiddenFill>
           </a:ext>
           <a:ext uri="{91240B29-F687-4f45-9708-019B960494DF}">
-            <a14:hiddenLine xmlns="" xmlns:a14="http://schemas.microsoft.com/office/drawing/2010/main" w="9525" cap="flat" cmpd="sng" algn="ctr">
+            <a14:hiddenLine xmlns:a14="http://schemas.microsoft.com/office/drawing/2010/main" xmlns="" w="9525" cap="flat" cmpd="sng" algn="ctr">
               <a:solidFill>
                 <a:schemeClr val="tx1"/>
               </a:solidFill>
@@ -11655,7 +11639,7 @@
             </a14:hiddenLine>
           </a:ext>
           <a:ext uri="{AF507438-7753-43e0-B8FC-AC1667EBCBE1}">
-            <a14:hiddenEffects xmlns="" xmlns:a14="http://schemas.microsoft.com/office/drawing/2010/main">
+            <a14:hiddenEffects xmlns:a14="http://schemas.microsoft.com/office/drawing/2010/main" xmlns="">
               <a:effectLst>
                 <a:outerShdw blurRad="63500" dist="35921" dir="2700000" algn="ctr" rotWithShape="0">
                   <a:schemeClr val="bg2"/>
@@ -11721,14 +11705,14 @@
         <a:effectLst/>
         <a:extLst>
           <a:ext uri="{909E8E84-426E-40dd-AFC4-6F175D3DCCD1}">
-            <a14:hiddenFill xmlns="" xmlns:a14="http://schemas.microsoft.com/office/drawing/2010/main">
+            <a14:hiddenFill xmlns:a14="http://schemas.microsoft.com/office/drawing/2010/main" xmlns="">
               <a:solidFill>
                 <a:schemeClr val="accent1"/>
               </a:solidFill>
             </a14:hiddenFill>
           </a:ext>
           <a:ext uri="{91240B29-F687-4f45-9708-019B960494DF}">
-            <a14:hiddenLine xmlns="" xmlns:a14="http://schemas.microsoft.com/office/drawing/2010/main" w="9525" cap="flat" cmpd="sng" algn="ctr">
+            <a14:hiddenLine xmlns:a14="http://schemas.microsoft.com/office/drawing/2010/main" xmlns="" w="9525" cap="flat" cmpd="sng" algn="ctr">
               <a:solidFill>
                 <a:schemeClr val="tx1"/>
               </a:solidFill>
@@ -11739,7 +11723,7 @@
             </a14:hiddenLine>
           </a:ext>
           <a:ext uri="{AF507438-7753-43e0-B8FC-AC1667EBCBE1}">
-            <a14:hiddenEffects xmlns="" xmlns:a14="http://schemas.microsoft.com/office/drawing/2010/main">
+            <a14:hiddenEffects xmlns:a14="http://schemas.microsoft.com/office/drawing/2010/main" xmlns="">
               <a:effectLst>
                 <a:outerShdw blurRad="63500" dist="35921" dir="2700000" algn="ctr" rotWithShape="0">
                   <a:schemeClr val="bg2"/>
@@ -12827,24 +12811,6 @@
 </file>
 
 <file path=customXml/item1.xml><?xml version="1.0" encoding="utf-8"?>
-<p:properties xmlns:p="http://schemas.microsoft.com/office/2006/metadata/properties" xmlns:xsi="http://www.w3.org/2001/XMLSchema-instance" xmlns:pc="http://schemas.microsoft.com/office/infopath/2007/PartnerControls">
-  <documentManagement>
-    <PublishingExpirationDate xmlns="http://schemas.microsoft.com/sharepoint/v3" xsi:nil="true"/>
-    <PublishingStartDate xmlns="http://schemas.microsoft.com/sharepoint/v3" xsi:nil="true"/>
-  </documentManagement>
-</p:properties>
-</file>
-
-<file path=customXml/item2.xml><?xml version="1.0" encoding="utf-8"?>
-<?mso-contentType ?>
-<FormTemplates xmlns="http://schemas.microsoft.com/sharepoint/v3/contenttype/forms">
-  <Display>DocumentLibraryForm</Display>
-  <Edit>DocumentLibraryForm</Edit>
-  <New>DocumentLibraryForm</New>
-</FormTemplates>
-</file>
-
-<file path=customXml/item3.xml><?xml version="1.0" encoding="utf-8"?>
 <ct:contentTypeSchema xmlns:ct="http://schemas.microsoft.com/office/2006/metadata/contentType" xmlns:ma="http://schemas.microsoft.com/office/2006/metadata/properties/metaAttributes" ct:_="" ma:_="" ma:contentTypeName="Document" ma:contentTypeID="0x0101008E38C1F9A94EA24FA773DB05A310DC65" ma:contentTypeVersion="1" ma:contentTypeDescription="Create a new document." ma:contentTypeScope="" ma:versionID="f8b31c6be46461ae1a838e717dc40537">
   <xsd:schema xmlns:xsd="http://www.w3.org/2001/XMLSchema" xmlns:xs="http://www.w3.org/2001/XMLSchema" xmlns:p="http://schemas.microsoft.com/office/2006/metadata/properties" xmlns:ns1="http://schemas.microsoft.com/sharepoint/v3" targetNamespace="http://schemas.microsoft.com/office/2006/metadata/properties" ma:root="true" ma:fieldsID="fa06d6fac6d8f3ef9a355fe6c8a09ea9" ns1:_="">
     <xsd:import namespace="http://schemas.microsoft.com/sharepoint/v3"/>
@@ -12976,31 +12942,25 @@
 </ct:contentTypeSchema>
 </file>
 
-<file path=customXml/itemProps1.xml><?xml version="1.0" encoding="utf-8"?>
-<ds:datastoreItem xmlns:ds="http://schemas.openxmlformats.org/officeDocument/2006/customXml" ds:itemID="{0557CDEA-3175-4F55-B6CB-C3CBA914B070}">
-  <ds:schemaRefs>
-    <ds:schemaRef ds:uri="http://purl.org/dc/terms/"/>
-    <ds:schemaRef ds:uri="http://schemas.microsoft.com/office/infopath/2007/PartnerControls"/>
-    <ds:schemaRef ds:uri="http://schemas.microsoft.com/office/2006/documentManagement/types"/>
-    <ds:schemaRef ds:uri="http://schemas.microsoft.com/office/2006/metadata/properties"/>
-    <ds:schemaRef ds:uri="http://www.w3.org/XML/1998/namespace"/>
-    <ds:schemaRef ds:uri="http://purl.org/dc/elements/1.1/"/>
-    <ds:schemaRef ds:uri="http://schemas.openxmlformats.org/package/2006/metadata/core-properties"/>
-    <ds:schemaRef ds:uri="http://schemas.microsoft.com/sharepoint/v3"/>
-    <ds:schemaRef ds:uri="http://purl.org/dc/dcmitype/"/>
-  </ds:schemaRefs>
-</ds:datastoreItem>
+<file path=customXml/item2.xml><?xml version="1.0" encoding="utf-8"?>
+<?mso-contentType ?>
+<FormTemplates xmlns="http://schemas.microsoft.com/sharepoint/v3/contenttype/forms">
+  <Display>DocumentLibraryForm</Display>
+  <Edit>DocumentLibraryForm</Edit>
+  <New>DocumentLibraryForm</New>
+</FormTemplates>
 </file>
 
-<file path=customXml/itemProps2.xml><?xml version="1.0" encoding="utf-8"?>
-<ds:datastoreItem xmlns:ds="http://schemas.openxmlformats.org/officeDocument/2006/customXml" ds:itemID="{68C0BFE6-1CAB-4438-B6CF-01E8AE16BD25}">
-  <ds:schemaRefs>
-    <ds:schemaRef ds:uri="http://schemas.microsoft.com/sharepoint/v3/contenttype/forms"/>
-  </ds:schemaRefs>
-</ds:datastoreItem>
+<file path=customXml/item3.xml><?xml version="1.0" encoding="utf-8"?>
+<p:properties xmlns:p="http://schemas.microsoft.com/office/2006/metadata/properties" xmlns:xsi="http://www.w3.org/2001/XMLSchema-instance" xmlns:pc="http://schemas.microsoft.com/office/infopath/2007/PartnerControls">
+  <documentManagement>
+    <PublishingExpirationDate xmlns="http://schemas.microsoft.com/sharepoint/v3" xsi:nil="true"/>
+    <PublishingStartDate xmlns="http://schemas.microsoft.com/sharepoint/v3" xsi:nil="true"/>
+  </documentManagement>
+</p:properties>
 </file>
 
-<file path=customXml/itemProps3.xml><?xml version="1.0" encoding="utf-8"?>
+<file path=customXml/itemProps1.xml><?xml version="1.0" encoding="utf-8"?>
 <ds:datastoreItem xmlns:ds="http://schemas.openxmlformats.org/officeDocument/2006/customXml" ds:itemID="{9CEBD313-5E48-4A87-B097-AA011A8973C8}">
   <ds:schemaRefs>
     <ds:schemaRef ds:uri="http://schemas.microsoft.com/office/2006/metadata/contentType"/>
@@ -13016,4 +12976,28 @@
     <ds:schemaRef ds:uri="http://schemas.microsoft.com/internal/obd"/>
   </ds:schemaRefs>
 </ds:datastoreItem>
+</file>
+
+<file path=customXml/itemProps2.xml><?xml version="1.0" encoding="utf-8"?>
+<ds:datastoreItem xmlns:ds="http://schemas.openxmlformats.org/officeDocument/2006/customXml" ds:itemID="{68C0BFE6-1CAB-4438-B6CF-01E8AE16BD25}">
+  <ds:schemaRefs>
+    <ds:schemaRef ds:uri="http://schemas.microsoft.com/sharepoint/v3/contenttype/forms"/>
+  </ds:schemaRefs>
+</ds:datastoreItem>
+</file>
+
+<file path=customXml/itemProps3.xml><?xml version="1.0" encoding="utf-8"?>
+<ds:datastoreItem xmlns:ds="http://schemas.openxmlformats.org/officeDocument/2006/customXml" ds:itemID="{0557CDEA-3175-4F55-B6CB-C3CBA914B070}">
+  <ds:schemaRefs>
+    <ds:schemaRef ds:uri="http://purl.org/dc/terms/"/>
+    <ds:schemaRef ds:uri="http://schemas.microsoft.com/office/infopath/2007/PartnerControls"/>
+    <ds:schemaRef ds:uri="http://schemas.microsoft.com/office/2006/documentManagement/types"/>
+    <ds:schemaRef ds:uri="http://schemas.microsoft.com/office/2006/metadata/properties"/>
+    <ds:schemaRef ds:uri="http://www.w3.org/XML/1998/namespace"/>
+    <ds:schemaRef ds:uri="http://purl.org/dc/elements/1.1/"/>
+    <ds:schemaRef ds:uri="http://schemas.openxmlformats.org/package/2006/metadata/core-properties"/>
+    <ds:schemaRef ds:uri="http://schemas.microsoft.com/sharepoint/v3"/>
+    <ds:schemaRef ds:uri="http://purl.org/dc/dcmitype/"/>
+  </ds:schemaRefs>
+</ds:datastoreItem>
 </file>
--- a/MarcEdit Presentation.pptx
+++ b/MarcEdit Presentation.pptx
@@ -5,10 +5,10 @@
     <p:sldMasterId id="2147483660" r:id="rId4"/>
   </p:sldMasterIdLst>
   <p:notesMasterIdLst>
-    <p:notesMasterId r:id="rId28"/>
+    <p:notesMasterId r:id="rId29"/>
   </p:notesMasterIdLst>
   <p:handoutMasterIdLst>
-    <p:handoutMasterId r:id="rId29"/>
+    <p:handoutMasterId r:id="rId30"/>
   </p:handoutMasterIdLst>
   <p:sldIdLst>
     <p:sldId id="256" r:id="rId5"/>
@@ -34,6 +34,7 @@
     <p:sldId id="276" r:id="rId25"/>
     <p:sldId id="277" r:id="rId26"/>
     <p:sldId id="278" r:id="rId27"/>
+    <p:sldId id="280" r:id="rId28"/>
   </p:sldIdLst>
   <p:sldSz cx="9144000" cy="6858000" type="screen4x3"/>
   <p:notesSz cx="6858000" cy="9144000"/>
@@ -4002,14 +4003,14 @@
           <a:effectLst/>
           <a:extLst>
             <a:ext uri="{909E8E84-426E-40dd-AFC4-6F175D3DCCD1}">
-              <a14:hiddenFill xmlns:a14="http://schemas.microsoft.com/office/drawing/2010/main" xmlns="">
+              <a14:hiddenFill xmlns="" xmlns:a14="http://schemas.microsoft.com/office/drawing/2010/main">
                 <a:solidFill>
                   <a:schemeClr val="accent1"/>
                 </a:solidFill>
               </a14:hiddenFill>
             </a:ext>
             <a:ext uri="{91240B29-F687-4f45-9708-019B960494DF}">
-              <a14:hiddenLine xmlns:a14="http://schemas.microsoft.com/office/drawing/2010/main" xmlns="" w="9525" cap="flat" cmpd="sng" algn="ctr">
+              <a14:hiddenLine xmlns="" xmlns:a14="http://schemas.microsoft.com/office/drawing/2010/main" w="9525" cap="flat" cmpd="sng" algn="ctr">
                 <a:solidFill>
                   <a:schemeClr val="tx1"/>
                 </a:solidFill>
@@ -4020,7 +4021,7 @@
               </a14:hiddenLine>
             </a:ext>
             <a:ext uri="{AF507438-7753-43e0-B8FC-AC1667EBCBE1}">
-              <a14:hiddenEffects xmlns:a14="http://schemas.microsoft.com/office/drawing/2010/main" xmlns="">
+              <a14:hiddenEffects xmlns="" xmlns:a14="http://schemas.microsoft.com/office/drawing/2010/main">
                 <a:effectLst>
                   <a:outerShdw blurRad="63500" dist="35921" dir="2700000" algn="ctr" rotWithShape="0">
                     <a:schemeClr val="bg2"/>
@@ -4091,14 +4092,14 @@
           <a:effectLst/>
           <a:extLst>
             <a:ext uri="{909E8E84-426E-40dd-AFC4-6F175D3DCCD1}">
-              <a14:hiddenFill xmlns:a14="http://schemas.microsoft.com/office/drawing/2010/main" xmlns="">
+              <a14:hiddenFill xmlns="" xmlns:a14="http://schemas.microsoft.com/office/drawing/2010/main">
                 <a:solidFill>
                   <a:schemeClr val="accent1"/>
                 </a:solidFill>
               </a14:hiddenFill>
             </a:ext>
             <a:ext uri="{91240B29-F687-4f45-9708-019B960494DF}">
-              <a14:hiddenLine xmlns:a14="http://schemas.microsoft.com/office/drawing/2010/main" xmlns="" w="9525" cap="flat" cmpd="sng" algn="ctr">
+              <a14:hiddenLine xmlns="" xmlns:a14="http://schemas.microsoft.com/office/drawing/2010/main" w="9525" cap="flat" cmpd="sng" algn="ctr">
                 <a:solidFill>
                   <a:schemeClr val="tx1"/>
                 </a:solidFill>
@@ -4109,7 +4110,7 @@
               </a14:hiddenLine>
             </a:ext>
             <a:ext uri="{AF507438-7753-43e0-B8FC-AC1667EBCBE1}">
-              <a14:hiddenEffects xmlns:a14="http://schemas.microsoft.com/office/drawing/2010/main" xmlns="">
+              <a14:hiddenEffects xmlns="" xmlns:a14="http://schemas.microsoft.com/office/drawing/2010/main">
                 <a:effectLst>
                   <a:outerShdw blurRad="63500" dist="35921" dir="2700000" algn="ctr" rotWithShape="0">
                     <a:schemeClr val="bg2"/>
@@ -4204,14 +4205,14 @@
           <a:effectLst/>
           <a:extLst>
             <a:ext uri="{909E8E84-426E-40dd-AFC4-6F175D3DCCD1}">
-              <a14:hiddenFill xmlns:a14="http://schemas.microsoft.com/office/drawing/2010/main" xmlns="">
+              <a14:hiddenFill xmlns="" xmlns:a14="http://schemas.microsoft.com/office/drawing/2010/main">
                 <a:solidFill>
                   <a:schemeClr val="accent1"/>
                 </a:solidFill>
               </a14:hiddenFill>
             </a:ext>
             <a:ext uri="{91240B29-F687-4f45-9708-019B960494DF}">
-              <a14:hiddenLine xmlns:a14="http://schemas.microsoft.com/office/drawing/2010/main" xmlns="" w="9525" cap="flat" cmpd="sng" algn="ctr">
+              <a14:hiddenLine xmlns="" xmlns:a14="http://schemas.microsoft.com/office/drawing/2010/main" w="9525" cap="flat" cmpd="sng" algn="ctr">
                 <a:solidFill>
                   <a:schemeClr val="tx1"/>
                 </a:solidFill>
@@ -4222,7 +4223,7 @@
               </a14:hiddenLine>
             </a:ext>
             <a:ext uri="{AF507438-7753-43e0-B8FC-AC1667EBCBE1}">
-              <a14:hiddenEffects xmlns:a14="http://schemas.microsoft.com/office/drawing/2010/main" xmlns="">
+              <a14:hiddenEffects xmlns="" xmlns:a14="http://schemas.microsoft.com/office/drawing/2010/main">
                 <a:effectLst>
                   <a:outerShdw blurRad="63500" dist="35921" dir="2700000" algn="ctr" rotWithShape="0">
                     <a:schemeClr val="bg2"/>
@@ -4293,14 +4294,14 @@
           <a:effectLst/>
           <a:extLst>
             <a:ext uri="{909E8E84-426E-40dd-AFC4-6F175D3DCCD1}">
-              <a14:hiddenFill xmlns:a14="http://schemas.microsoft.com/office/drawing/2010/main" xmlns="">
+              <a14:hiddenFill xmlns="" xmlns:a14="http://schemas.microsoft.com/office/drawing/2010/main">
                 <a:solidFill>
                   <a:schemeClr val="accent1"/>
                 </a:solidFill>
               </a14:hiddenFill>
             </a:ext>
             <a:ext uri="{91240B29-F687-4f45-9708-019B960494DF}">
-              <a14:hiddenLine xmlns:a14="http://schemas.microsoft.com/office/drawing/2010/main" xmlns="" w="9525" cap="flat" cmpd="sng" algn="ctr">
+              <a14:hiddenLine xmlns="" xmlns:a14="http://schemas.microsoft.com/office/drawing/2010/main" w="9525" cap="flat" cmpd="sng" algn="ctr">
                 <a:solidFill>
                   <a:schemeClr val="tx1"/>
                 </a:solidFill>
@@ -4311,7 +4312,7 @@
               </a14:hiddenLine>
             </a:ext>
             <a:ext uri="{AF507438-7753-43e0-B8FC-AC1667EBCBE1}">
-              <a14:hiddenEffects xmlns:a14="http://schemas.microsoft.com/office/drawing/2010/main" xmlns="">
+              <a14:hiddenEffects xmlns="" xmlns:a14="http://schemas.microsoft.com/office/drawing/2010/main">
                 <a:effectLst>
                   <a:outerShdw blurRad="63500" dist="35921" dir="2700000" algn="ctr" rotWithShape="0">
                     <a:schemeClr val="bg2"/>
@@ -4424,14 +4425,14 @@
           <a:effectLst/>
           <a:extLst>
             <a:ext uri="{909E8E84-426E-40dd-AFC4-6F175D3DCCD1}">
-              <a14:hiddenFill xmlns:a14="http://schemas.microsoft.com/office/drawing/2010/main" xmlns="">
+              <a14:hiddenFill xmlns="" xmlns:a14="http://schemas.microsoft.com/office/drawing/2010/main">
                 <a:solidFill>
                   <a:schemeClr val="accent1"/>
                 </a:solidFill>
               </a14:hiddenFill>
             </a:ext>
             <a:ext uri="{91240B29-F687-4f45-9708-019B960494DF}">
-              <a14:hiddenLine xmlns:a14="http://schemas.microsoft.com/office/drawing/2010/main" xmlns="" w="9525" cap="flat" cmpd="sng" algn="ctr">
+              <a14:hiddenLine xmlns="" xmlns:a14="http://schemas.microsoft.com/office/drawing/2010/main" w="9525" cap="flat" cmpd="sng" algn="ctr">
                 <a:solidFill>
                   <a:schemeClr val="tx1"/>
                 </a:solidFill>
@@ -4442,7 +4443,7 @@
               </a14:hiddenLine>
             </a:ext>
             <a:ext uri="{AF507438-7753-43e0-B8FC-AC1667EBCBE1}">
-              <a14:hiddenEffects xmlns:a14="http://schemas.microsoft.com/office/drawing/2010/main" xmlns="">
+              <a14:hiddenEffects xmlns="" xmlns:a14="http://schemas.microsoft.com/office/drawing/2010/main">
                 <a:effectLst>
                   <a:outerShdw blurRad="63500" dist="35921" dir="2700000" algn="ctr" rotWithShape="0">
                     <a:schemeClr val="bg2"/>
@@ -6503,14 +6504,14 @@
           <a:effectLst/>
           <a:extLst>
             <a:ext uri="{909E8E84-426E-40dd-AFC4-6F175D3DCCD1}">
-              <a14:hiddenFill xmlns:a14="http://schemas.microsoft.com/office/drawing/2010/main" xmlns="">
+              <a14:hiddenFill xmlns="" xmlns:a14="http://schemas.microsoft.com/office/drawing/2010/main">
                 <a:solidFill>
                   <a:schemeClr val="accent1"/>
                 </a:solidFill>
               </a14:hiddenFill>
             </a:ext>
             <a:ext uri="{91240B29-F687-4f45-9708-019B960494DF}">
-              <a14:hiddenLine xmlns:a14="http://schemas.microsoft.com/office/drawing/2010/main" xmlns="" w="9525" cap="flat" cmpd="sng" algn="ctr">
+              <a14:hiddenLine xmlns="" xmlns:a14="http://schemas.microsoft.com/office/drawing/2010/main" w="9525" cap="flat" cmpd="sng" algn="ctr">
                 <a:solidFill>
                   <a:schemeClr val="tx1"/>
                 </a:solidFill>
@@ -6521,7 +6522,7 @@
               </a14:hiddenLine>
             </a:ext>
             <a:ext uri="{AF507438-7753-43e0-B8FC-AC1667EBCBE1}">
-              <a14:hiddenEffects xmlns:a14="http://schemas.microsoft.com/office/drawing/2010/main" xmlns="">
+              <a14:hiddenEffects xmlns="" xmlns:a14="http://schemas.microsoft.com/office/drawing/2010/main">
                 <a:effectLst>
                   <a:outerShdw blurRad="63500" dist="35921" dir="2700000" algn="ctr" rotWithShape="0">
                     <a:schemeClr val="bg2"/>
@@ -6782,14 +6783,14 @@
           <a:effectLst/>
           <a:extLst>
             <a:ext uri="{909E8E84-426E-40dd-AFC4-6F175D3DCCD1}">
-              <a14:hiddenFill xmlns:a14="http://schemas.microsoft.com/office/drawing/2010/main" xmlns="">
+              <a14:hiddenFill xmlns="" xmlns:a14="http://schemas.microsoft.com/office/drawing/2010/main">
                 <a:solidFill>
                   <a:schemeClr val="accent1"/>
                 </a:solidFill>
               </a14:hiddenFill>
             </a:ext>
             <a:ext uri="{91240B29-F687-4f45-9708-019B960494DF}">
-              <a14:hiddenLine xmlns:a14="http://schemas.microsoft.com/office/drawing/2010/main" xmlns="" w="9525" cap="flat" cmpd="sng" algn="ctr">
+              <a14:hiddenLine xmlns="" xmlns:a14="http://schemas.microsoft.com/office/drawing/2010/main" w="9525" cap="flat" cmpd="sng" algn="ctr">
                 <a:solidFill>
                   <a:schemeClr val="tx1"/>
                 </a:solidFill>
@@ -6800,7 +6801,7 @@
               </a14:hiddenLine>
             </a:ext>
             <a:ext uri="{AF507438-7753-43e0-B8FC-AC1667EBCBE1}">
-              <a14:hiddenEffects xmlns:a14="http://schemas.microsoft.com/office/drawing/2010/main" xmlns="">
+              <a14:hiddenEffects xmlns="" xmlns:a14="http://schemas.microsoft.com/office/drawing/2010/main">
                 <a:effectLst>
                   <a:outerShdw blurRad="63500" dist="35921" dir="2700000" algn="ctr" rotWithShape="0">
                     <a:schemeClr val="bg2"/>
@@ -7256,14 +7257,14 @@
           <a:effectLst/>
           <a:extLst>
             <a:ext uri="{909E8E84-426E-40dd-AFC4-6F175D3DCCD1}">
-              <a14:hiddenFill xmlns:a14="http://schemas.microsoft.com/office/drawing/2010/main" xmlns="">
+              <a14:hiddenFill xmlns="" xmlns:a14="http://schemas.microsoft.com/office/drawing/2010/main">
                 <a:solidFill>
                   <a:schemeClr val="accent1"/>
                 </a:solidFill>
               </a14:hiddenFill>
             </a:ext>
             <a:ext uri="{91240B29-F687-4f45-9708-019B960494DF}">
-              <a14:hiddenLine xmlns:a14="http://schemas.microsoft.com/office/drawing/2010/main" xmlns="" w="9525" cap="flat" cmpd="sng" algn="ctr">
+              <a14:hiddenLine xmlns="" xmlns:a14="http://schemas.microsoft.com/office/drawing/2010/main" w="9525" cap="flat" cmpd="sng" algn="ctr">
                 <a:solidFill>
                   <a:schemeClr val="tx1"/>
                 </a:solidFill>
@@ -7274,7 +7275,7 @@
               </a14:hiddenLine>
             </a:ext>
             <a:ext uri="{AF507438-7753-43e0-B8FC-AC1667EBCBE1}">
-              <a14:hiddenEffects xmlns:a14="http://schemas.microsoft.com/office/drawing/2010/main" xmlns="">
+              <a14:hiddenEffects xmlns="" xmlns:a14="http://schemas.microsoft.com/office/drawing/2010/main">
                 <a:effectLst>
                   <a:outerShdw blurRad="63500" dist="35921" dir="2700000" algn="ctr" rotWithShape="0">
                     <a:schemeClr val="bg2"/>
@@ -7509,14 +7510,14 @@
           <a:effectLst/>
           <a:extLst>
             <a:ext uri="{909E8E84-426E-40dd-AFC4-6F175D3DCCD1}">
-              <a14:hiddenFill xmlns:a14="http://schemas.microsoft.com/office/drawing/2010/main" xmlns="">
+              <a14:hiddenFill xmlns="" xmlns:a14="http://schemas.microsoft.com/office/drawing/2010/main">
                 <a:solidFill>
                   <a:schemeClr val="accent1"/>
                 </a:solidFill>
               </a14:hiddenFill>
             </a:ext>
             <a:ext uri="{91240B29-F687-4f45-9708-019B960494DF}">
-              <a14:hiddenLine xmlns:a14="http://schemas.microsoft.com/office/drawing/2010/main" xmlns="" w="9525" cap="flat" cmpd="sng" algn="ctr">
+              <a14:hiddenLine xmlns="" xmlns:a14="http://schemas.microsoft.com/office/drawing/2010/main" w="9525" cap="flat" cmpd="sng" algn="ctr">
                 <a:solidFill>
                   <a:schemeClr val="tx1"/>
                 </a:solidFill>
@@ -7527,7 +7528,7 @@
               </a14:hiddenLine>
             </a:ext>
             <a:ext uri="{AF507438-7753-43e0-B8FC-AC1667EBCBE1}">
-              <a14:hiddenEffects xmlns:a14="http://schemas.microsoft.com/office/drawing/2010/main" xmlns="">
+              <a14:hiddenEffects xmlns="" xmlns:a14="http://schemas.microsoft.com/office/drawing/2010/main">
                 <a:effectLst>
                   <a:outerShdw blurRad="63500" dist="35921" dir="2700000" algn="ctr" rotWithShape="0">
                     <a:schemeClr val="bg2"/>
@@ -8112,14 +8113,14 @@
           <a:effectLst/>
           <a:extLst>
             <a:ext uri="{909E8E84-426E-40dd-AFC4-6F175D3DCCD1}">
-              <a14:hiddenFill xmlns:a14="http://schemas.microsoft.com/office/drawing/2010/main" xmlns="">
+              <a14:hiddenFill xmlns="" xmlns:a14="http://schemas.microsoft.com/office/drawing/2010/main">
                 <a:solidFill>
                   <a:schemeClr val="accent1"/>
                 </a:solidFill>
               </a14:hiddenFill>
             </a:ext>
             <a:ext uri="{91240B29-F687-4f45-9708-019B960494DF}">
-              <a14:hiddenLine xmlns:a14="http://schemas.microsoft.com/office/drawing/2010/main" xmlns="" w="9525" cap="flat" cmpd="sng" algn="ctr">
+              <a14:hiddenLine xmlns="" xmlns:a14="http://schemas.microsoft.com/office/drawing/2010/main" w="9525" cap="flat" cmpd="sng" algn="ctr">
                 <a:solidFill>
                   <a:schemeClr val="tx1"/>
                 </a:solidFill>
@@ -8130,7 +8131,7 @@
               </a14:hiddenLine>
             </a:ext>
             <a:ext uri="{AF507438-7753-43e0-B8FC-AC1667EBCBE1}">
-              <a14:hiddenEffects xmlns:a14="http://schemas.microsoft.com/office/drawing/2010/main" xmlns="">
+              <a14:hiddenEffects xmlns="" xmlns:a14="http://schemas.microsoft.com/office/drawing/2010/main">
                 <a:effectLst>
                   <a:outerShdw blurRad="63500" dist="35921" dir="2700000" algn="ctr" rotWithShape="0">
                     <a:schemeClr val="bg2"/>
@@ -8876,14 +8877,14 @@
           <a:effectLst/>
           <a:extLst>
             <a:ext uri="{909E8E84-426E-40dd-AFC4-6F175D3DCCD1}">
-              <a14:hiddenFill xmlns:a14="http://schemas.microsoft.com/office/drawing/2010/main" xmlns="">
+              <a14:hiddenFill xmlns="" xmlns:a14="http://schemas.microsoft.com/office/drawing/2010/main">
                 <a:solidFill>
                   <a:schemeClr val="accent1"/>
                 </a:solidFill>
               </a14:hiddenFill>
             </a:ext>
             <a:ext uri="{91240B29-F687-4f45-9708-019B960494DF}">
-              <a14:hiddenLine xmlns:a14="http://schemas.microsoft.com/office/drawing/2010/main" xmlns="" w="9525" cap="flat" cmpd="sng" algn="ctr">
+              <a14:hiddenLine xmlns="" xmlns:a14="http://schemas.microsoft.com/office/drawing/2010/main" w="9525" cap="flat" cmpd="sng" algn="ctr">
                 <a:solidFill>
                   <a:schemeClr val="tx1"/>
                 </a:solidFill>
@@ -8894,7 +8895,7 @@
               </a14:hiddenLine>
             </a:ext>
             <a:ext uri="{AF507438-7753-43e0-B8FC-AC1667EBCBE1}">
-              <a14:hiddenEffects xmlns:a14="http://schemas.microsoft.com/office/drawing/2010/main" xmlns="">
+              <a14:hiddenEffects xmlns="" xmlns:a14="http://schemas.microsoft.com/office/drawing/2010/main">
                 <a:effectLst>
                   <a:outerShdw blurRad="63500" dist="35921" dir="2700000" algn="ctr" rotWithShape="0">
                     <a:schemeClr val="bg2"/>
@@ -9083,6 +9084,177 @@
 </p:sld>
 </file>
 
+<file path=ppt/slides/slide24.xml><?xml version="1.0" encoding="utf-8"?>
+<p:sld xmlns:a="http://schemas.openxmlformats.org/drawingml/2006/main" xmlns:r="http://schemas.openxmlformats.org/officeDocument/2006/relationships" xmlns:p="http://schemas.openxmlformats.org/presentationml/2006/main">
+  <p:cSld>
+    <p:spTree>
+      <p:nvGrpSpPr>
+        <p:cNvPr id="1" name=""/>
+        <p:cNvGrpSpPr/>
+        <p:nvPr/>
+      </p:nvGrpSpPr>
+      <p:grpSpPr>
+        <a:xfrm>
+          <a:off x="0" y="0"/>
+          <a:ext cx="0" cy="0"/>
+          <a:chOff x="0" y="0"/>
+          <a:chExt cx="0" cy="0"/>
+        </a:xfrm>
+      </p:grpSpPr>
+      <p:sp>
+        <p:nvSpPr>
+          <p:cNvPr id="2" name="Title 1"/>
+          <p:cNvSpPr>
+            <a:spLocks noGrp="1"/>
+          </p:cNvSpPr>
+          <p:nvPr>
+            <p:ph type="title"/>
+          </p:nvPr>
+        </p:nvSpPr>
+        <p:spPr>
+          <a:xfrm>
+            <a:off x="484328" y="2057400"/>
+            <a:ext cx="8153400" cy="2590800"/>
+          </a:xfrm>
+        </p:spPr>
+        <p:txBody>
+          <a:bodyPr/>
+          <a:lstStyle/>
+          <a:p>
+            <a:pPr algn="ctr"/>
+            <a:r>
+              <a:rPr lang="en-US" dirty="0" smtClean="0"/>
+              <a:t>Thank you!</a:t>
+            </a:r>
+            <a:br>
+              <a:rPr lang="en-US" dirty="0" smtClean="0"/>
+            </a:br>
+            <a:r>
+              <a:rPr lang="en-US" dirty="0"/>
+              <a:t/>
+            </a:r>
+            <a:br>
+              <a:rPr lang="en-US" dirty="0"/>
+            </a:br>
+            <a:r>
+              <a:rPr lang="en-US" smtClean="0">
+                <a:hlinkClick r:id="rId2"/>
+              </a:rPr>
+              <a:t>Kate.Wantuch@acphs.edu</a:t>
+            </a:r>
+            <a:r>
+              <a:rPr lang="en-US" smtClean="0"/>
+              <a:t/>
+            </a:r>
+            <a:br>
+              <a:rPr lang="en-US" smtClean="0"/>
+            </a:br>
+            <a:r>
+              <a:rPr lang="en-US"/>
+              <a:t/>
+            </a:r>
+            <a:br>
+              <a:rPr lang="en-US"/>
+            </a:br>
+            <a:r>
+              <a:rPr lang="en-US" smtClean="0"/>
+              <a:t>518-694-7891</a:t>
+            </a:r>
+            <a:r>
+              <a:rPr lang="en-US" dirty="0" smtClean="0"/>
+              <a:t/>
+            </a:r>
+            <a:br>
+              <a:rPr lang="en-US" dirty="0" smtClean="0"/>
+            </a:br>
+            <a:r>
+              <a:rPr lang="en-US" dirty="0" smtClean="0"/>
+              <a:t/>
+            </a:r>
+            <a:br>
+              <a:rPr lang="en-US" dirty="0" smtClean="0"/>
+            </a:br>
+            <a:r>
+              <a:rPr lang="en-US" dirty="0"/>
+              <a:t> </a:t>
+            </a:r>
+          </a:p>
+        </p:txBody>
+      </p:sp>
+      <p:sp>
+        <p:nvSpPr>
+          <p:cNvPr id="4" name="Date Placeholder 3"/>
+          <p:cNvSpPr>
+            <a:spLocks noGrp="1"/>
+          </p:cNvSpPr>
+          <p:nvPr>
+            <p:ph type="dt" sz="half" idx="10"/>
+          </p:nvPr>
+        </p:nvSpPr>
+        <p:spPr/>
+        <p:txBody>
+          <a:bodyPr/>
+          <a:lstStyle/>
+          <a:p>
+            <a:fld id="{8775D896-12E6-4B94-8302-C0AB3910BE25}" type="datetime1">
+              <a:rPr lang="en-US" smtClean="0"/>
+              <a:pPr/>
+              <a:t>3/4/2019</a:t>
+            </a:fld>
+            <a:endParaRPr lang="en-US" dirty="0"/>
+          </a:p>
+        </p:txBody>
+      </p:sp>
+      <p:sp>
+        <p:nvSpPr>
+          <p:cNvPr id="5" name="Slide Number Placeholder 4"/>
+          <p:cNvSpPr>
+            <a:spLocks noGrp="1"/>
+          </p:cNvSpPr>
+          <p:nvPr>
+            <p:ph type="sldNum" sz="quarter" idx="11"/>
+          </p:nvPr>
+        </p:nvSpPr>
+        <p:spPr>
+          <a:xfrm>
+            <a:off x="8077200" y="6356350"/>
+            <a:ext cx="438150" cy="365125"/>
+          </a:xfrm>
+        </p:spPr>
+        <p:txBody>
+          <a:bodyPr/>
+          <a:lstStyle/>
+          <a:p>
+            <a:fld id="{9B6C4D04-965C-42E4-AEBF-4B3DD3EDE027}" type="slidenum">
+              <a:rPr lang="en-US" smtClean="0"/>
+              <a:pPr/>
+              <a:t>24</a:t>
+            </a:fld>
+            <a:endParaRPr lang="en-US" dirty="0"/>
+          </a:p>
+        </p:txBody>
+      </p:sp>
+    </p:spTree>
+    <p:extLst>
+      <p:ext uri="{BB962C8B-B14F-4D97-AF65-F5344CB8AC3E}">
+        <p14:creationId xmlns:p14="http://schemas.microsoft.com/office/powerpoint/2010/main" val="755048930"/>
+      </p:ext>
+    </p:extLst>
+  </p:cSld>
+  <p:clrMapOvr>
+    <a:masterClrMapping/>
+  </p:clrMapOvr>
+  <p:transition spd="slow"/>
+  <p:timing>
+    <p:tnLst>
+      <p:par>
+        <p:cTn id="1" dur="indefinite" restart="never" nodeType="tmRoot"/>
+      </p:par>
+    </p:tnLst>
+  </p:timing>
+</p:sld>
+</file>
+
 <file path=ppt/slides/slide3.xml><?xml version="1.0" encoding="utf-8"?>
 <p:sld xmlns:a="http://schemas.openxmlformats.org/drawingml/2006/main" xmlns:r="http://schemas.openxmlformats.org/officeDocument/2006/relationships" xmlns:p="http://schemas.openxmlformats.org/presentationml/2006/main">
   <p:cSld>
@@ -10910,14 +11082,14 @@
           <a:effectLst/>
           <a:extLst>
             <a:ext uri="{909E8E84-426E-40dd-AFC4-6F175D3DCCD1}">
-              <a14:hiddenFill xmlns:a14="http://schemas.microsoft.com/office/drawing/2010/main" xmlns="">
+              <a14:hiddenFill xmlns="" xmlns:a14="http://schemas.microsoft.com/office/drawing/2010/main">
                 <a:solidFill>
                   <a:schemeClr val="accent1"/>
                 </a:solidFill>
               </a14:hiddenFill>
             </a:ext>
             <a:ext uri="{91240B29-F687-4f45-9708-019B960494DF}">
-              <a14:hiddenLine xmlns:a14="http://schemas.microsoft.com/office/drawing/2010/main" xmlns="" w="9525" cap="flat" cmpd="sng" algn="ctr">
+              <a14:hiddenLine xmlns="" xmlns:a14="http://schemas.microsoft.com/office/drawing/2010/main" w="9525" cap="flat" cmpd="sng" algn="ctr">
                 <a:solidFill>
                   <a:schemeClr val="tx1"/>
                 </a:solidFill>
@@ -10928,7 +11100,7 @@
               </a14:hiddenLine>
             </a:ext>
             <a:ext uri="{AF507438-7753-43e0-B8FC-AC1667EBCBE1}">
-              <a14:hiddenEffects xmlns:a14="http://schemas.microsoft.com/office/drawing/2010/main" xmlns="">
+              <a14:hiddenEffects xmlns="" xmlns:a14="http://schemas.microsoft.com/office/drawing/2010/main">
                 <a:effectLst>
                   <a:outerShdw blurRad="63500" dist="35921" dir="2700000" algn="ctr" rotWithShape="0">
                     <a:schemeClr val="bg2"/>
@@ -10999,14 +11171,14 @@
           <a:effectLst/>
           <a:extLst>
             <a:ext uri="{909E8E84-426E-40dd-AFC4-6F175D3DCCD1}">
-              <a14:hiddenFill xmlns:a14="http://schemas.microsoft.com/office/drawing/2010/main" xmlns="">
+              <a14:hiddenFill xmlns="" xmlns:a14="http://schemas.microsoft.com/office/drawing/2010/main">
                 <a:solidFill>
                   <a:schemeClr val="accent1"/>
                 </a:solidFill>
               </a14:hiddenFill>
             </a:ext>
             <a:ext uri="{91240B29-F687-4f45-9708-019B960494DF}">
-              <a14:hiddenLine xmlns:a14="http://schemas.microsoft.com/office/drawing/2010/main" xmlns="" w="9525" cap="flat" cmpd="sng" algn="ctr">
+              <a14:hiddenLine xmlns="" xmlns:a14="http://schemas.microsoft.com/office/drawing/2010/main" w="9525" cap="flat" cmpd="sng" algn="ctr">
                 <a:solidFill>
                   <a:schemeClr val="tx1"/>
                 </a:solidFill>
@@ -11017,7 +11189,7 @@
               </a14:hiddenLine>
             </a:ext>
             <a:ext uri="{AF507438-7753-43e0-B8FC-AC1667EBCBE1}">
-              <a14:hiddenEffects xmlns:a14="http://schemas.microsoft.com/office/drawing/2010/main" xmlns="">
+              <a14:hiddenEffects xmlns="" xmlns:a14="http://schemas.microsoft.com/office/drawing/2010/main">
                 <a:effectLst>
                   <a:outerShdw blurRad="63500" dist="35921" dir="2700000" algn="ctr" rotWithShape="0">
                     <a:schemeClr val="bg2"/>
@@ -11296,14 +11468,14 @@
           <a:effectLst/>
           <a:extLst>
             <a:ext uri="{909E8E84-426E-40dd-AFC4-6F175D3DCCD1}">
-              <a14:hiddenFill xmlns:a14="http://schemas.microsoft.com/office/drawing/2010/main" xmlns="">
+              <a14:hiddenFill xmlns="" xmlns:a14="http://schemas.microsoft.com/office/drawing/2010/main">
                 <a:solidFill>
                   <a:schemeClr val="accent1"/>
                 </a:solidFill>
               </a14:hiddenFill>
             </a:ext>
             <a:ext uri="{91240B29-F687-4f45-9708-019B960494DF}">
-              <a14:hiddenLine xmlns:a14="http://schemas.microsoft.com/office/drawing/2010/main" xmlns="" w="9525" cap="flat" cmpd="sng" algn="ctr">
+              <a14:hiddenLine xmlns="" xmlns:a14="http://schemas.microsoft.com/office/drawing/2010/main" w="9525" cap="flat" cmpd="sng" algn="ctr">
                 <a:solidFill>
                   <a:schemeClr val="tx1"/>
                 </a:solidFill>
@@ -11314,7 +11486,7 @@
               </a14:hiddenLine>
             </a:ext>
             <a:ext uri="{AF507438-7753-43e0-B8FC-AC1667EBCBE1}">
-              <a14:hiddenEffects xmlns:a14="http://schemas.microsoft.com/office/drawing/2010/main" xmlns="">
+              <a14:hiddenEffects xmlns="" xmlns:a14="http://schemas.microsoft.com/office/drawing/2010/main">
                 <a:effectLst>
                   <a:outerShdw blurRad="63500" dist="35921" dir="2700000" algn="ctr" rotWithShape="0">
                     <a:schemeClr val="bg2"/>
@@ -11621,14 +11793,14 @@
         <a:effectLst/>
         <a:extLst>
           <a:ext uri="{909E8E84-426E-40dd-AFC4-6F175D3DCCD1}">
-            <a14:hiddenFill xmlns:a14="http://schemas.microsoft.com/office/drawing/2010/main" xmlns="">
+            <a14:hiddenFill xmlns="" xmlns:a14="http://schemas.microsoft.com/office/drawing/2010/main">
               <a:solidFill>
                 <a:schemeClr val="accent1"/>
               </a:solidFill>
             </a14:hiddenFill>
           </a:ext>
           <a:ext uri="{91240B29-F687-4f45-9708-019B960494DF}">
-            <a14:hiddenLine xmlns:a14="http://schemas.microsoft.com/office/drawing/2010/main" xmlns="" w="9525" cap="flat" cmpd="sng" algn="ctr">
+            <a14:hiddenLine xmlns="" xmlns:a14="http://schemas.microsoft.com/office/drawing/2010/main" w="9525" cap="flat" cmpd="sng" algn="ctr">
               <a:solidFill>
                 <a:schemeClr val="tx1"/>
               </a:solidFill>
@@ -11639,7 +11811,7 @@
             </a14:hiddenLine>
           </a:ext>
           <a:ext uri="{AF507438-7753-43e0-B8FC-AC1667EBCBE1}">
-            <a14:hiddenEffects xmlns:a14="http://schemas.microsoft.com/office/drawing/2010/main" xmlns="">
+            <a14:hiddenEffects xmlns="" xmlns:a14="http://schemas.microsoft.com/office/drawing/2010/main">
               <a:effectLst>
                 <a:outerShdw blurRad="63500" dist="35921" dir="2700000" algn="ctr" rotWithShape="0">
                   <a:schemeClr val="bg2"/>
@@ -11705,14 +11877,14 @@
         <a:effectLst/>
         <a:extLst>
           <a:ext uri="{909E8E84-426E-40dd-AFC4-6F175D3DCCD1}">
-            <a14:hiddenFill xmlns:a14="http://schemas.microsoft.com/office/drawing/2010/main" xmlns="">
+            <a14:hiddenFill xmlns="" xmlns:a14="http://schemas.microsoft.com/office/drawing/2010/main">
               <a:solidFill>
                 <a:schemeClr val="accent1"/>
               </a:solidFill>
             </a14:hiddenFill>
           </a:ext>
           <a:ext uri="{91240B29-F687-4f45-9708-019B960494DF}">
-            <a14:hiddenLine xmlns:a14="http://schemas.microsoft.com/office/drawing/2010/main" xmlns="" w="9525" cap="flat" cmpd="sng" algn="ctr">
+            <a14:hiddenLine xmlns="" xmlns:a14="http://schemas.microsoft.com/office/drawing/2010/main" w="9525" cap="flat" cmpd="sng" algn="ctr">
               <a:solidFill>
                 <a:schemeClr val="tx1"/>
               </a:solidFill>
@@ -11723,7 +11895,7 @@
             </a14:hiddenLine>
           </a:ext>
           <a:ext uri="{AF507438-7753-43e0-B8FC-AC1667EBCBE1}">
-            <a14:hiddenEffects xmlns:a14="http://schemas.microsoft.com/office/drawing/2010/main" xmlns="">
+            <a14:hiddenEffects xmlns="" xmlns:a14="http://schemas.microsoft.com/office/drawing/2010/main">
               <a:effectLst>
                 <a:outerShdw blurRad="63500" dist="35921" dir="2700000" algn="ctr" rotWithShape="0">
                   <a:schemeClr val="bg2"/>
@@ -12811,6 +12983,24 @@
 </file>
 
 <file path=customXml/item1.xml><?xml version="1.0" encoding="utf-8"?>
+<p:properties xmlns:p="http://schemas.microsoft.com/office/2006/metadata/properties" xmlns:xsi="http://www.w3.org/2001/XMLSchema-instance" xmlns:pc="http://schemas.microsoft.com/office/infopath/2007/PartnerControls">
+  <documentManagement>
+    <PublishingExpirationDate xmlns="http://schemas.microsoft.com/sharepoint/v3" xsi:nil="true"/>
+    <PublishingStartDate xmlns="http://schemas.microsoft.com/sharepoint/v3" xsi:nil="true"/>
+  </documentManagement>
+</p:properties>
+</file>
+
+<file path=customXml/item2.xml><?xml version="1.0" encoding="utf-8"?>
+<?mso-contentType ?>
+<FormTemplates xmlns="http://schemas.microsoft.com/sharepoint/v3/contenttype/forms">
+  <Display>DocumentLibraryForm</Display>
+  <Edit>DocumentLibraryForm</Edit>
+  <New>DocumentLibraryForm</New>
+</FormTemplates>
+</file>
+
+<file path=customXml/item3.xml><?xml version="1.0" encoding="utf-8"?>
 <ct:contentTypeSchema xmlns:ct="http://schemas.microsoft.com/office/2006/metadata/contentType" xmlns:ma="http://schemas.microsoft.com/office/2006/metadata/properties/metaAttributes" ct:_="" ma:_="" ma:contentTypeName="Document" ma:contentTypeID="0x0101008E38C1F9A94EA24FA773DB05A310DC65" ma:contentTypeVersion="1" ma:contentTypeDescription="Create a new document." ma:contentTypeScope="" ma:versionID="f8b31c6be46461ae1a838e717dc40537">
   <xsd:schema xmlns:xsd="http://www.w3.org/2001/XMLSchema" xmlns:xs="http://www.w3.org/2001/XMLSchema" xmlns:p="http://schemas.microsoft.com/office/2006/metadata/properties" xmlns:ns1="http://schemas.microsoft.com/sharepoint/v3" targetNamespace="http://schemas.microsoft.com/office/2006/metadata/properties" ma:root="true" ma:fieldsID="fa06d6fac6d8f3ef9a355fe6c8a09ea9" ns1:_="">
     <xsd:import namespace="http://schemas.microsoft.com/sharepoint/v3"/>
@@ -12942,25 +13132,31 @@
 </ct:contentTypeSchema>
 </file>
 
-<file path=customXml/item2.xml><?xml version="1.0" encoding="utf-8"?>
-<?mso-contentType ?>
-<FormTemplates xmlns="http://schemas.microsoft.com/sharepoint/v3/contenttype/forms">
-  <Display>DocumentLibraryForm</Display>
-  <Edit>DocumentLibraryForm</Edit>
-  <New>DocumentLibraryForm</New>
-</FormTemplates>
+<file path=customXml/itemProps1.xml><?xml version="1.0" encoding="utf-8"?>
+<ds:datastoreItem xmlns:ds="http://schemas.openxmlformats.org/officeDocument/2006/customXml" ds:itemID="{0557CDEA-3175-4F55-B6CB-C3CBA914B070}">
+  <ds:schemaRefs>
+    <ds:schemaRef ds:uri="http://purl.org/dc/terms/"/>
+    <ds:schemaRef ds:uri="http://schemas.microsoft.com/office/infopath/2007/PartnerControls"/>
+    <ds:schemaRef ds:uri="http://schemas.microsoft.com/office/2006/documentManagement/types"/>
+    <ds:schemaRef ds:uri="http://schemas.microsoft.com/office/2006/metadata/properties"/>
+    <ds:schemaRef ds:uri="http://www.w3.org/XML/1998/namespace"/>
+    <ds:schemaRef ds:uri="http://purl.org/dc/elements/1.1/"/>
+    <ds:schemaRef ds:uri="http://schemas.openxmlformats.org/package/2006/metadata/core-properties"/>
+    <ds:schemaRef ds:uri="http://schemas.microsoft.com/sharepoint/v3"/>
+    <ds:schemaRef ds:uri="http://purl.org/dc/dcmitype/"/>
+  </ds:schemaRefs>
+</ds:datastoreItem>
 </file>
 
-<file path=customXml/item3.xml><?xml version="1.0" encoding="utf-8"?>
-<p:properties xmlns:p="http://schemas.microsoft.com/office/2006/metadata/properties" xmlns:xsi="http://www.w3.org/2001/XMLSchema-instance" xmlns:pc="http://schemas.microsoft.com/office/infopath/2007/PartnerControls">
-  <documentManagement>
-    <PublishingExpirationDate xmlns="http://schemas.microsoft.com/sharepoint/v3" xsi:nil="true"/>
-    <PublishingStartDate xmlns="http://schemas.microsoft.com/sharepoint/v3" xsi:nil="true"/>
-  </documentManagement>
-</p:properties>
+<file path=customXml/itemProps2.xml><?xml version="1.0" encoding="utf-8"?>
+<ds:datastoreItem xmlns:ds="http://schemas.openxmlformats.org/officeDocument/2006/customXml" ds:itemID="{68C0BFE6-1CAB-4438-B6CF-01E8AE16BD25}">
+  <ds:schemaRefs>
+    <ds:schemaRef ds:uri="http://schemas.microsoft.com/sharepoint/v3/contenttype/forms"/>
+  </ds:schemaRefs>
+</ds:datastoreItem>
 </file>
 
-<file path=customXml/itemProps1.xml><?xml version="1.0" encoding="utf-8"?>
+<file path=customXml/itemProps3.xml><?xml version="1.0" encoding="utf-8"?>
 <ds:datastoreItem xmlns:ds="http://schemas.openxmlformats.org/officeDocument/2006/customXml" ds:itemID="{9CEBD313-5E48-4A87-B097-AA011A8973C8}">
   <ds:schemaRefs>
     <ds:schemaRef ds:uri="http://schemas.microsoft.com/office/2006/metadata/contentType"/>
@@ -12976,28 +13172,4 @@
     <ds:schemaRef ds:uri="http://schemas.microsoft.com/internal/obd"/>
   </ds:schemaRefs>
 </ds:datastoreItem>
-</file>
-
-<file path=customXml/itemProps2.xml><?xml version="1.0" encoding="utf-8"?>
-<ds:datastoreItem xmlns:ds="http://schemas.openxmlformats.org/officeDocument/2006/customXml" ds:itemID="{68C0BFE6-1CAB-4438-B6CF-01E8AE16BD25}">
-  <ds:schemaRefs>
-    <ds:schemaRef ds:uri="http://schemas.microsoft.com/sharepoint/v3/contenttype/forms"/>
-  </ds:schemaRefs>
-</ds:datastoreItem>
-</file>
-
-<file path=customXml/itemProps3.xml><?xml version="1.0" encoding="utf-8"?>
-<ds:datastoreItem xmlns:ds="http://schemas.openxmlformats.org/officeDocument/2006/customXml" ds:itemID="{0557CDEA-3175-4F55-B6CB-C3CBA914B070}">
-  <ds:schemaRefs>
-    <ds:schemaRef ds:uri="http://purl.org/dc/terms/"/>
-    <ds:schemaRef ds:uri="http://schemas.microsoft.com/office/infopath/2007/PartnerControls"/>
-    <ds:schemaRef ds:uri="http://schemas.microsoft.com/office/2006/documentManagement/types"/>
-    <ds:schemaRef ds:uri="http://schemas.microsoft.com/office/2006/metadata/properties"/>
-    <ds:schemaRef ds:uri="http://www.w3.org/XML/1998/namespace"/>
-    <ds:schemaRef ds:uri="http://purl.org/dc/elements/1.1/"/>
-    <ds:schemaRef ds:uri="http://schemas.openxmlformats.org/package/2006/metadata/core-properties"/>
-    <ds:schemaRef ds:uri="http://schemas.microsoft.com/sharepoint/v3"/>
-    <ds:schemaRef ds:uri="http://purl.org/dc/dcmitype/"/>
-  </ds:schemaRefs>
-</ds:datastoreItem>
 </file>
--- a/MarcEdit Presentation.pptx
+++ b/MarcEdit Presentation.pptx
@@ -4003,14 +4003,14 @@
           <a:effectLst/>
           <a:extLst>
             <a:ext uri="{909E8E84-426E-40dd-AFC4-6F175D3DCCD1}">
-              <a14:hiddenFill xmlns="" xmlns:a14="http://schemas.microsoft.com/office/drawing/2010/main">
+              <a14:hiddenFill xmlns:a14="http://schemas.microsoft.com/office/drawing/2010/main" xmlns="">
                 <a:solidFill>
                   <a:schemeClr val="accent1"/>
                 </a:solidFill>
               </a14:hiddenFill>
             </a:ext>
             <a:ext uri="{91240B29-F687-4f45-9708-019B960494DF}">
-              <a14:hiddenLine xmlns="" xmlns:a14="http://schemas.microsoft.com/office/drawing/2010/main" w="9525" cap="flat" cmpd="sng" algn="ctr">
+              <a14:hiddenLine xmlns:a14="http://schemas.microsoft.com/office/drawing/2010/main" xmlns="" w="9525" cap="flat" cmpd="sng" algn="ctr">
                 <a:solidFill>
                   <a:schemeClr val="tx1"/>
                 </a:solidFill>
@@ -4021,7 +4021,7 @@
               </a14:hiddenLine>
             </a:ext>
             <a:ext uri="{AF507438-7753-43e0-B8FC-AC1667EBCBE1}">
-              <a14:hiddenEffects xmlns="" xmlns:a14="http://schemas.microsoft.com/office/drawing/2010/main">
+              <a14:hiddenEffects xmlns:a14="http://schemas.microsoft.com/office/drawing/2010/main" xmlns="">
                 <a:effectLst>
                   <a:outerShdw blurRad="63500" dist="35921" dir="2700000" algn="ctr" rotWithShape="0">
                     <a:schemeClr val="bg2"/>
@@ -4092,14 +4092,14 @@
           <a:effectLst/>
           <a:extLst>
             <a:ext uri="{909E8E84-426E-40dd-AFC4-6F175D3DCCD1}">
-              <a14:hiddenFill xmlns="" xmlns:a14="http://schemas.microsoft.com/office/drawing/2010/main">
+              <a14:hiddenFill xmlns:a14="http://schemas.microsoft.com/office/drawing/2010/main" xmlns="">
                 <a:solidFill>
                   <a:schemeClr val="accent1"/>
                 </a:solidFill>
               </a14:hiddenFill>
             </a:ext>
             <a:ext uri="{91240B29-F687-4f45-9708-019B960494DF}">
-              <a14:hiddenLine xmlns="" xmlns:a14="http://schemas.microsoft.com/office/drawing/2010/main" w="9525" cap="flat" cmpd="sng" algn="ctr">
+              <a14:hiddenLine xmlns:a14="http://schemas.microsoft.com/office/drawing/2010/main" xmlns="" w="9525" cap="flat" cmpd="sng" algn="ctr">
                 <a:solidFill>
                   <a:schemeClr val="tx1"/>
                 </a:solidFill>
@@ -4110,7 +4110,7 @@
               </a14:hiddenLine>
             </a:ext>
             <a:ext uri="{AF507438-7753-43e0-B8FC-AC1667EBCBE1}">
-              <a14:hiddenEffects xmlns="" xmlns:a14="http://schemas.microsoft.com/office/drawing/2010/main">
+              <a14:hiddenEffects xmlns:a14="http://schemas.microsoft.com/office/drawing/2010/main" xmlns="">
                 <a:effectLst>
                   <a:outerShdw blurRad="63500" dist="35921" dir="2700000" algn="ctr" rotWithShape="0">
                     <a:schemeClr val="bg2"/>
@@ -4205,14 +4205,14 @@
           <a:effectLst/>
           <a:extLst>
             <a:ext uri="{909E8E84-426E-40dd-AFC4-6F175D3DCCD1}">
-              <a14:hiddenFill xmlns="" xmlns:a14="http://schemas.microsoft.com/office/drawing/2010/main">
+              <a14:hiddenFill xmlns:a14="http://schemas.microsoft.com/office/drawing/2010/main" xmlns="">
                 <a:solidFill>
                   <a:schemeClr val="accent1"/>
                 </a:solidFill>
               </a14:hiddenFill>
             </a:ext>
             <a:ext uri="{91240B29-F687-4f45-9708-019B960494DF}">
-              <a14:hiddenLine xmlns="" xmlns:a14="http://schemas.microsoft.com/office/drawing/2010/main" w="9525" cap="flat" cmpd="sng" algn="ctr">
+              <a14:hiddenLine xmlns:a14="http://schemas.microsoft.com/office/drawing/2010/main" xmlns="" w="9525" cap="flat" cmpd="sng" algn="ctr">
                 <a:solidFill>
                   <a:schemeClr val="tx1"/>
                 </a:solidFill>
@@ -4223,7 +4223,7 @@
               </a14:hiddenLine>
             </a:ext>
             <a:ext uri="{AF507438-7753-43e0-B8FC-AC1667EBCBE1}">
-              <a14:hiddenEffects xmlns="" xmlns:a14="http://schemas.microsoft.com/office/drawing/2010/main">
+              <a14:hiddenEffects xmlns:a14="http://schemas.microsoft.com/office/drawing/2010/main" xmlns="">
                 <a:effectLst>
                   <a:outerShdw blurRad="63500" dist="35921" dir="2700000" algn="ctr" rotWithShape="0">
                     <a:schemeClr val="bg2"/>
@@ -4294,14 +4294,14 @@
           <a:effectLst/>
           <a:extLst>
             <a:ext uri="{909E8E84-426E-40dd-AFC4-6F175D3DCCD1}">
-              <a14:hiddenFill xmlns="" xmlns:a14="http://schemas.microsoft.com/office/drawing/2010/main">
+              <a14:hiddenFill xmlns:a14="http://schemas.microsoft.com/office/drawing/2010/main" xmlns="">
                 <a:solidFill>
                   <a:schemeClr val="accent1"/>
                 </a:solidFill>
               </a14:hiddenFill>
             </a:ext>
             <a:ext uri="{91240B29-F687-4f45-9708-019B960494DF}">
-              <a14:hiddenLine xmlns="" xmlns:a14="http://schemas.microsoft.com/office/drawing/2010/main" w="9525" cap="flat" cmpd="sng" algn="ctr">
+              <a14:hiddenLine xmlns:a14="http://schemas.microsoft.com/office/drawing/2010/main" xmlns="" w="9525" cap="flat" cmpd="sng" algn="ctr">
                 <a:solidFill>
                   <a:schemeClr val="tx1"/>
                 </a:solidFill>
@@ -4312,7 +4312,7 @@
               </a14:hiddenLine>
             </a:ext>
             <a:ext uri="{AF507438-7753-43e0-B8FC-AC1667EBCBE1}">
-              <a14:hiddenEffects xmlns="" xmlns:a14="http://schemas.microsoft.com/office/drawing/2010/main">
+              <a14:hiddenEffects xmlns:a14="http://schemas.microsoft.com/office/drawing/2010/main" xmlns="">
                 <a:effectLst>
                   <a:outerShdw blurRad="63500" dist="35921" dir="2700000" algn="ctr" rotWithShape="0">
                     <a:schemeClr val="bg2"/>
@@ -4425,14 +4425,14 @@
           <a:effectLst/>
           <a:extLst>
             <a:ext uri="{909E8E84-426E-40dd-AFC4-6F175D3DCCD1}">
-              <a14:hiddenFill xmlns="" xmlns:a14="http://schemas.microsoft.com/office/drawing/2010/main">
+              <a14:hiddenFill xmlns:a14="http://schemas.microsoft.com/office/drawing/2010/main" xmlns="">
                 <a:solidFill>
                   <a:schemeClr val="accent1"/>
                 </a:solidFill>
               </a14:hiddenFill>
             </a:ext>
             <a:ext uri="{91240B29-F687-4f45-9708-019B960494DF}">
-              <a14:hiddenLine xmlns="" xmlns:a14="http://schemas.microsoft.com/office/drawing/2010/main" w="9525" cap="flat" cmpd="sng" algn="ctr">
+              <a14:hiddenLine xmlns:a14="http://schemas.microsoft.com/office/drawing/2010/main" xmlns="" w="9525" cap="flat" cmpd="sng" algn="ctr">
                 <a:solidFill>
                   <a:schemeClr val="tx1"/>
                 </a:solidFill>
@@ -4443,7 +4443,7 @@
               </a14:hiddenLine>
             </a:ext>
             <a:ext uri="{AF507438-7753-43e0-B8FC-AC1667EBCBE1}">
-              <a14:hiddenEffects xmlns="" xmlns:a14="http://schemas.microsoft.com/office/drawing/2010/main">
+              <a14:hiddenEffects xmlns:a14="http://schemas.microsoft.com/office/drawing/2010/main" xmlns="">
                 <a:effectLst>
                   <a:outerShdw blurRad="63500" dist="35921" dir="2700000" algn="ctr" rotWithShape="0">
                     <a:schemeClr val="bg2"/>
@@ -6504,14 +6504,14 @@
           <a:effectLst/>
           <a:extLst>
             <a:ext uri="{909E8E84-426E-40dd-AFC4-6F175D3DCCD1}">
-              <a14:hiddenFill xmlns="" xmlns:a14="http://schemas.microsoft.com/office/drawing/2010/main">
+              <a14:hiddenFill xmlns:a14="http://schemas.microsoft.com/office/drawing/2010/main" xmlns="">
                 <a:solidFill>
                   <a:schemeClr val="accent1"/>
                 </a:solidFill>
               </a14:hiddenFill>
             </a:ext>
             <a:ext uri="{91240B29-F687-4f45-9708-019B960494DF}">
-              <a14:hiddenLine xmlns="" xmlns:a14="http://schemas.microsoft.com/office/drawing/2010/main" w="9525" cap="flat" cmpd="sng" algn="ctr">
+              <a14:hiddenLine xmlns:a14="http://schemas.microsoft.com/office/drawing/2010/main" xmlns="" w="9525" cap="flat" cmpd="sng" algn="ctr">
                 <a:solidFill>
                   <a:schemeClr val="tx1"/>
                 </a:solidFill>
@@ -6522,7 +6522,7 @@
               </a14:hiddenLine>
             </a:ext>
             <a:ext uri="{AF507438-7753-43e0-B8FC-AC1667EBCBE1}">
-              <a14:hiddenEffects xmlns="" xmlns:a14="http://schemas.microsoft.com/office/drawing/2010/main">
+              <a14:hiddenEffects xmlns:a14="http://schemas.microsoft.com/office/drawing/2010/main" xmlns="">
                 <a:effectLst>
                   <a:outerShdw blurRad="63500" dist="35921" dir="2700000" algn="ctr" rotWithShape="0">
                     <a:schemeClr val="bg2"/>
@@ -6783,14 +6783,14 @@
           <a:effectLst/>
           <a:extLst>
             <a:ext uri="{909E8E84-426E-40dd-AFC4-6F175D3DCCD1}">
-              <a14:hiddenFill xmlns="" xmlns:a14="http://schemas.microsoft.com/office/drawing/2010/main">
+              <a14:hiddenFill xmlns:a14="http://schemas.microsoft.com/office/drawing/2010/main" xmlns="">
                 <a:solidFill>
                   <a:schemeClr val="accent1"/>
                 </a:solidFill>
               </a14:hiddenFill>
             </a:ext>
             <a:ext uri="{91240B29-F687-4f45-9708-019B960494DF}">
-              <a14:hiddenLine xmlns="" xmlns:a14="http://schemas.microsoft.com/office/drawing/2010/main" w="9525" cap="flat" cmpd="sng" algn="ctr">
+              <a14:hiddenLine xmlns:a14="http://schemas.microsoft.com/office/drawing/2010/main" xmlns="" w="9525" cap="flat" cmpd="sng" algn="ctr">
                 <a:solidFill>
                   <a:schemeClr val="tx1"/>
                 </a:solidFill>
@@ -6801,7 +6801,7 @@
               </a14:hiddenLine>
             </a:ext>
             <a:ext uri="{AF507438-7753-43e0-B8FC-AC1667EBCBE1}">
-              <a14:hiddenEffects xmlns="" xmlns:a14="http://schemas.microsoft.com/office/drawing/2010/main">
+              <a14:hiddenEffects xmlns:a14="http://schemas.microsoft.com/office/drawing/2010/main" xmlns="">
                 <a:effectLst>
                   <a:outerShdw blurRad="63500" dist="35921" dir="2700000" algn="ctr" rotWithShape="0">
                     <a:schemeClr val="bg2"/>
@@ -7211,7 +7211,7 @@
       </p:pic>
       <p:pic>
         <p:nvPicPr>
-          <p:cNvPr id="8" name="Picture 7"/>
+          <p:cNvPr id="9" name="Picture 8"/>
           <p:cNvPicPr>
             <a:picLocks noChangeAspect="1"/>
           </p:cNvPicPr>
@@ -7225,70 +7225,17 @@
         </p:blipFill>
         <p:spPr>
           <a:xfrm>
-            <a:off x="2489527" y="2667000"/>
-            <a:ext cx="6211516" cy="3134940"/>
+            <a:off x="228600" y="1031875"/>
+            <a:ext cx="1866900" cy="3422650"/>
           </a:xfrm>
           <a:prstGeom prst="rect">
             <a:avLst/>
           </a:prstGeom>
         </p:spPr>
       </p:pic>
-      <p:cxnSp>
-        <p:nvCxnSpPr>
-          <p:cNvPr id="12" name="Straight Arrow Connector 11"/>
-          <p:cNvCxnSpPr/>
-          <p:nvPr/>
-        </p:nvCxnSpPr>
-        <p:spPr bwMode="auto">
-          <a:xfrm flipH="1" flipV="1">
-            <a:off x="5715000" y="5393345"/>
-            <a:ext cx="1143000" cy="685800"/>
-          </a:xfrm>
-          <a:prstGeom prst="straightConnector1">
-            <a:avLst/>
-          </a:prstGeom>
-          <a:noFill/>
-          <a:ln>
-            <a:solidFill>
-              <a:srgbClr val="FF0000"/>
-            </a:solidFill>
-            <a:tailEnd type="triangle"/>
-          </a:ln>
-          <a:effectLst/>
-          <a:extLst>
-            <a:ext uri="{909E8E84-426E-40dd-AFC4-6F175D3DCCD1}">
-              <a14:hiddenFill xmlns="" xmlns:a14="http://schemas.microsoft.com/office/drawing/2010/main">
-                <a:solidFill>
-                  <a:schemeClr val="accent1"/>
-                </a:solidFill>
-              </a14:hiddenFill>
-            </a:ext>
-            <a:ext uri="{91240B29-F687-4f45-9708-019B960494DF}">
-              <a14:hiddenLine xmlns="" xmlns:a14="http://schemas.microsoft.com/office/drawing/2010/main" w="9525" cap="flat" cmpd="sng" algn="ctr">
-                <a:solidFill>
-                  <a:schemeClr val="tx1"/>
-                </a:solidFill>
-                <a:prstDash val="solid"/>
-                <a:round/>
-                <a:headEnd type="none" w="med" len="med"/>
-                <a:tailEnd type="none" w="med" len="med"/>
-              </a14:hiddenLine>
-            </a:ext>
-            <a:ext uri="{AF507438-7753-43e0-B8FC-AC1667EBCBE1}">
-              <a14:hiddenEffects xmlns="" xmlns:a14="http://schemas.microsoft.com/office/drawing/2010/main">
-                <a:effectLst>
-                  <a:outerShdw blurRad="63500" dist="35921" dir="2700000" algn="ctr" rotWithShape="0">
-                    <a:schemeClr val="bg2"/>
-                  </a:outerShdw>
-                </a:effectLst>
-              </a14:hiddenEffects>
-            </a:ext>
-          </a:extLst>
-        </p:spPr>
-      </p:cxnSp>
       <p:pic>
         <p:nvPicPr>
-          <p:cNvPr id="9" name="Picture 8"/>
+          <p:cNvPr id="3" name="Picture 2"/>
           <p:cNvPicPr>
             <a:picLocks noChangeAspect="1"/>
           </p:cNvPicPr>
@@ -7302,14 +7249,67 @@
         </p:blipFill>
         <p:spPr>
           <a:xfrm>
-            <a:off x="228600" y="1031875"/>
-            <a:ext cx="1866900" cy="3422650"/>
+            <a:off x="2400733" y="2451188"/>
+            <a:ext cx="6285634" cy="3197658"/>
           </a:xfrm>
           <a:prstGeom prst="rect">
             <a:avLst/>
           </a:prstGeom>
         </p:spPr>
       </p:pic>
+      <p:cxnSp>
+        <p:nvCxnSpPr>
+          <p:cNvPr id="12" name="Straight Arrow Connector 11"/>
+          <p:cNvCxnSpPr/>
+          <p:nvPr/>
+        </p:nvCxnSpPr>
+        <p:spPr bwMode="auto">
+          <a:xfrm flipH="1" flipV="1">
+            <a:off x="5886450" y="5181600"/>
+            <a:ext cx="1143000" cy="685800"/>
+          </a:xfrm>
+          <a:prstGeom prst="straightConnector1">
+            <a:avLst/>
+          </a:prstGeom>
+          <a:noFill/>
+          <a:ln>
+            <a:solidFill>
+              <a:srgbClr val="FF0000"/>
+            </a:solidFill>
+            <a:tailEnd type="triangle"/>
+          </a:ln>
+          <a:effectLst/>
+          <a:extLst>
+            <a:ext uri="{909E8E84-426E-40dd-AFC4-6F175D3DCCD1}">
+              <a14:hiddenFill xmlns:a14="http://schemas.microsoft.com/office/drawing/2010/main" xmlns="">
+                <a:solidFill>
+                  <a:schemeClr val="accent1"/>
+                </a:solidFill>
+              </a14:hiddenFill>
+            </a:ext>
+            <a:ext uri="{91240B29-F687-4f45-9708-019B960494DF}">
+              <a14:hiddenLine xmlns:a14="http://schemas.microsoft.com/office/drawing/2010/main" xmlns="" w="9525" cap="flat" cmpd="sng" algn="ctr">
+                <a:solidFill>
+                  <a:schemeClr val="tx1"/>
+                </a:solidFill>
+                <a:prstDash val="solid"/>
+                <a:round/>
+                <a:headEnd type="none" w="med" len="med"/>
+                <a:tailEnd type="none" w="med" len="med"/>
+              </a14:hiddenLine>
+            </a:ext>
+            <a:ext uri="{AF507438-7753-43e0-B8FC-AC1667EBCBE1}">
+              <a14:hiddenEffects xmlns:a14="http://schemas.microsoft.com/office/drawing/2010/main" xmlns="">
+                <a:effectLst>
+                  <a:outerShdw blurRad="63500" dist="35921" dir="2700000" algn="ctr" rotWithShape="0">
+                    <a:schemeClr val="bg2"/>
+                  </a:outerShdw>
+                </a:effectLst>
+              </a14:hiddenEffects>
+            </a:ext>
+          </a:extLst>
+        </p:spPr>
+      </p:cxnSp>
     </p:spTree>
     <p:extLst>
       <p:ext uri="{BB962C8B-B14F-4D97-AF65-F5344CB8AC3E}">
@@ -7510,14 +7510,14 @@
           <a:effectLst/>
           <a:extLst>
             <a:ext uri="{909E8E84-426E-40dd-AFC4-6F175D3DCCD1}">
-              <a14:hiddenFill xmlns="" xmlns:a14="http://schemas.microsoft.com/office/drawing/2010/main">
+              <a14:hiddenFill xmlns:a14="http://schemas.microsoft.com/office/drawing/2010/main" xmlns="">
                 <a:solidFill>
                   <a:schemeClr val="accent1"/>
                 </a:solidFill>
               </a14:hiddenFill>
             </a:ext>
             <a:ext uri="{91240B29-F687-4f45-9708-019B960494DF}">
-              <a14:hiddenLine xmlns="" xmlns:a14="http://schemas.microsoft.com/office/drawing/2010/main" w="9525" cap="flat" cmpd="sng" algn="ctr">
+              <a14:hiddenLine xmlns:a14="http://schemas.microsoft.com/office/drawing/2010/main" xmlns="" w="9525" cap="flat" cmpd="sng" algn="ctr">
                 <a:solidFill>
                   <a:schemeClr val="tx1"/>
                 </a:solidFill>
@@ -7528,7 +7528,7 @@
               </a14:hiddenLine>
             </a:ext>
             <a:ext uri="{AF507438-7753-43e0-B8FC-AC1667EBCBE1}">
-              <a14:hiddenEffects xmlns="" xmlns:a14="http://schemas.microsoft.com/office/drawing/2010/main">
+              <a14:hiddenEffects xmlns:a14="http://schemas.microsoft.com/office/drawing/2010/main" xmlns="">
                 <a:effectLst>
                   <a:outerShdw blurRad="63500" dist="35921" dir="2700000" algn="ctr" rotWithShape="0">
                     <a:schemeClr val="bg2"/>
@@ -8113,14 +8113,14 @@
           <a:effectLst/>
           <a:extLst>
             <a:ext uri="{909E8E84-426E-40dd-AFC4-6F175D3DCCD1}">
-              <a14:hiddenFill xmlns="" xmlns:a14="http://schemas.microsoft.com/office/drawing/2010/main">
+              <a14:hiddenFill xmlns:a14="http://schemas.microsoft.com/office/drawing/2010/main" xmlns="">
                 <a:solidFill>
                   <a:schemeClr val="accent1"/>
                 </a:solidFill>
               </a14:hiddenFill>
             </a:ext>
             <a:ext uri="{91240B29-F687-4f45-9708-019B960494DF}">
-              <a14:hiddenLine xmlns="" xmlns:a14="http://schemas.microsoft.com/office/drawing/2010/main" w="9525" cap="flat" cmpd="sng" algn="ctr">
+              <a14:hiddenLine xmlns:a14="http://schemas.microsoft.com/office/drawing/2010/main" xmlns="" w="9525" cap="flat" cmpd="sng" algn="ctr">
                 <a:solidFill>
                   <a:schemeClr val="tx1"/>
                 </a:solidFill>
@@ -8131,7 +8131,7 @@
               </a14:hiddenLine>
             </a:ext>
             <a:ext uri="{AF507438-7753-43e0-B8FC-AC1667EBCBE1}">
-              <a14:hiddenEffects xmlns="" xmlns:a14="http://schemas.microsoft.com/office/drawing/2010/main">
+              <a14:hiddenEffects xmlns:a14="http://schemas.microsoft.com/office/drawing/2010/main" xmlns="">
                 <a:effectLst>
                   <a:outerShdw blurRad="63500" dist="35921" dir="2700000" algn="ctr" rotWithShape="0">
                     <a:schemeClr val="bg2"/>
@@ -8877,14 +8877,14 @@
           <a:effectLst/>
           <a:extLst>
             <a:ext uri="{909E8E84-426E-40dd-AFC4-6F175D3DCCD1}">
-              <a14:hiddenFill xmlns="" xmlns:a14="http://schemas.microsoft.com/office/drawing/2010/main">
+              <a14:hiddenFill xmlns:a14="http://schemas.microsoft.com/office/drawing/2010/main" xmlns="">
                 <a:solidFill>
                   <a:schemeClr val="accent1"/>
                 </a:solidFill>
               </a14:hiddenFill>
             </a:ext>
             <a:ext uri="{91240B29-F687-4f45-9708-019B960494DF}">
-              <a14:hiddenLine xmlns="" xmlns:a14="http://schemas.microsoft.com/office/drawing/2010/main" w="9525" cap="flat" cmpd="sng" algn="ctr">
+              <a14:hiddenLine xmlns:a14="http://schemas.microsoft.com/office/drawing/2010/main" xmlns="" w="9525" cap="flat" cmpd="sng" algn="ctr">
                 <a:solidFill>
                   <a:schemeClr val="tx1"/>
                 </a:solidFill>
@@ -8895,7 +8895,7 @@
               </a14:hiddenLine>
             </a:ext>
             <a:ext uri="{AF507438-7753-43e0-B8FC-AC1667EBCBE1}">
-              <a14:hiddenEffects xmlns="" xmlns:a14="http://schemas.microsoft.com/office/drawing/2010/main">
+              <a14:hiddenEffects xmlns:a14="http://schemas.microsoft.com/office/drawing/2010/main" xmlns="">
                 <a:effectLst>
                   <a:outerShdw blurRad="63500" dist="35921" dir="2700000" algn="ctr" rotWithShape="0">
                     <a:schemeClr val="bg2"/>
@@ -11082,14 +11082,14 @@
           <a:effectLst/>
           <a:extLst>
             <a:ext uri="{909E8E84-426E-40dd-AFC4-6F175D3DCCD1}">
-              <a14:hiddenFill xmlns="" xmlns:a14="http://schemas.microsoft.com/office/drawing/2010/main">
+              <a14:hiddenFill xmlns:a14="http://schemas.microsoft.com/office/drawing/2010/main" xmlns="">
                 <a:solidFill>
                   <a:schemeClr val="accent1"/>
                 </a:solidFill>
               </a14:hiddenFill>
             </a:ext>
             <a:ext uri="{91240B29-F687-4f45-9708-019B960494DF}">
-              <a14:hiddenLine xmlns="" xmlns:a14="http://schemas.microsoft.com/office/drawing/2010/main" w="9525" cap="flat" cmpd="sng" algn="ctr">
+              <a14:hiddenLine xmlns:a14="http://schemas.microsoft.com/office/drawing/2010/main" xmlns="" w="9525" cap="flat" cmpd="sng" algn="ctr">
                 <a:solidFill>
                   <a:schemeClr val="tx1"/>
                 </a:solidFill>
@@ -11100,7 +11100,7 @@
               </a14:hiddenLine>
             </a:ext>
             <a:ext uri="{AF507438-7753-43e0-B8FC-AC1667EBCBE1}">
-              <a14:hiddenEffects xmlns="" xmlns:a14="http://schemas.microsoft.com/office/drawing/2010/main">
+              <a14:hiddenEffects xmlns:a14="http://schemas.microsoft.com/office/drawing/2010/main" xmlns="">
                 <a:effectLst>
                   <a:outerShdw blurRad="63500" dist="35921" dir="2700000" algn="ctr" rotWithShape="0">
                     <a:schemeClr val="bg2"/>
@@ -11171,14 +11171,14 @@
           <a:effectLst/>
           <a:extLst>
             <a:ext uri="{909E8E84-426E-40dd-AFC4-6F175D3DCCD1}">
-              <a14:hiddenFill xmlns="" xmlns:a14="http://schemas.microsoft.com/office/drawing/2010/main">
+              <a14:hiddenFill xmlns:a14="http://schemas.microsoft.com/office/drawing/2010/main" xmlns="">
                 <a:solidFill>
                   <a:schemeClr val="accent1"/>
                 </a:solidFill>
               </a14:hiddenFill>
             </a:ext>
             <a:ext uri="{91240B29-F687-4f45-9708-019B960494DF}">
-              <a14:hiddenLine xmlns="" xmlns:a14="http://schemas.microsoft.com/office/drawing/2010/main" w="9525" cap="flat" cmpd="sng" algn="ctr">
+              <a14:hiddenLine xmlns:a14="http://schemas.microsoft.com/office/drawing/2010/main" xmlns="" w="9525" cap="flat" cmpd="sng" algn="ctr">
                 <a:solidFill>
                   <a:schemeClr val="tx1"/>
                 </a:solidFill>
@@ -11189,7 +11189,7 @@
               </a14:hiddenLine>
             </a:ext>
             <a:ext uri="{AF507438-7753-43e0-B8FC-AC1667EBCBE1}">
-              <a14:hiddenEffects xmlns="" xmlns:a14="http://schemas.microsoft.com/office/drawing/2010/main">
+              <a14:hiddenEffects xmlns:a14="http://schemas.microsoft.com/office/drawing/2010/main" xmlns="">
                 <a:effectLst>
                   <a:outerShdw blurRad="63500" dist="35921" dir="2700000" algn="ctr" rotWithShape="0">
                     <a:schemeClr val="bg2"/>
@@ -11468,14 +11468,14 @@
           <a:effectLst/>
           <a:extLst>
             <a:ext uri="{909E8E84-426E-40dd-AFC4-6F175D3DCCD1}">
-              <a14:hiddenFill xmlns="" xmlns:a14="http://schemas.microsoft.com/office/drawing/2010/main">
+              <a14:hiddenFill xmlns:a14="http://schemas.microsoft.com/office/drawing/2010/main" xmlns="">
                 <a:solidFill>
                   <a:schemeClr val="accent1"/>
                 </a:solidFill>
               </a14:hiddenFill>
             </a:ext>
             <a:ext uri="{91240B29-F687-4f45-9708-019B960494DF}">
-              <a14:hiddenLine xmlns="" xmlns:a14="http://schemas.microsoft.com/office/drawing/2010/main" w="9525" cap="flat" cmpd="sng" algn="ctr">
+              <a14:hiddenLine xmlns:a14="http://schemas.microsoft.com/office/drawing/2010/main" xmlns="" w="9525" cap="flat" cmpd="sng" algn="ctr">
                 <a:solidFill>
                   <a:schemeClr val="tx1"/>
                 </a:solidFill>
@@ -11486,7 +11486,7 @@
               </a14:hiddenLine>
             </a:ext>
             <a:ext uri="{AF507438-7753-43e0-B8FC-AC1667EBCBE1}">
-              <a14:hiddenEffects xmlns="" xmlns:a14="http://schemas.microsoft.com/office/drawing/2010/main">
+              <a14:hiddenEffects xmlns:a14="http://schemas.microsoft.com/office/drawing/2010/main" xmlns="">
                 <a:effectLst>
                   <a:outerShdw blurRad="63500" dist="35921" dir="2700000" algn="ctr" rotWithShape="0">
                     <a:schemeClr val="bg2"/>
@@ -11793,14 +11793,14 @@
         <a:effectLst/>
         <a:extLst>
           <a:ext uri="{909E8E84-426E-40dd-AFC4-6F175D3DCCD1}">
-            <a14:hiddenFill xmlns="" xmlns:a14="http://schemas.microsoft.com/office/drawing/2010/main">
+            <a14:hiddenFill xmlns:a14="http://schemas.microsoft.com/office/drawing/2010/main" xmlns="">
               <a:solidFill>
                 <a:schemeClr val="accent1"/>
               </a:solidFill>
             </a14:hiddenFill>
           </a:ext>
           <a:ext uri="{91240B29-F687-4f45-9708-019B960494DF}">
-            <a14:hiddenLine xmlns="" xmlns:a14="http://schemas.microsoft.com/office/drawing/2010/main" w="9525" cap="flat" cmpd="sng" algn="ctr">
+            <a14:hiddenLine xmlns:a14="http://schemas.microsoft.com/office/drawing/2010/main" xmlns="" w="9525" cap="flat" cmpd="sng" algn="ctr">
               <a:solidFill>
                 <a:schemeClr val="tx1"/>
               </a:solidFill>
@@ -11811,7 +11811,7 @@
             </a14:hiddenLine>
           </a:ext>
           <a:ext uri="{AF507438-7753-43e0-B8FC-AC1667EBCBE1}">
-            <a14:hiddenEffects xmlns="" xmlns:a14="http://schemas.microsoft.com/office/drawing/2010/main">
+            <a14:hiddenEffects xmlns:a14="http://schemas.microsoft.com/office/drawing/2010/main" xmlns="">
               <a:effectLst>
                 <a:outerShdw blurRad="63500" dist="35921" dir="2700000" algn="ctr" rotWithShape="0">
                   <a:schemeClr val="bg2"/>
@@ -11877,14 +11877,14 @@
         <a:effectLst/>
         <a:extLst>
           <a:ext uri="{909E8E84-426E-40dd-AFC4-6F175D3DCCD1}">
-            <a14:hiddenFill xmlns="" xmlns:a14="http://schemas.microsoft.com/office/drawing/2010/main">
+            <a14:hiddenFill xmlns:a14="http://schemas.microsoft.com/office/drawing/2010/main" xmlns="">
               <a:solidFill>
                 <a:schemeClr val="accent1"/>
               </a:solidFill>
             </a14:hiddenFill>
           </a:ext>
           <a:ext uri="{91240B29-F687-4f45-9708-019B960494DF}">
-            <a14:hiddenLine xmlns="" xmlns:a14="http://schemas.microsoft.com/office/drawing/2010/main" w="9525" cap="flat" cmpd="sng" algn="ctr">
+            <a14:hiddenLine xmlns:a14="http://schemas.microsoft.com/office/drawing/2010/main" xmlns="" w="9525" cap="flat" cmpd="sng" algn="ctr">
               <a:solidFill>
                 <a:schemeClr val="tx1"/>
               </a:solidFill>
@@ -11895,7 +11895,7 @@
             </a14:hiddenLine>
           </a:ext>
           <a:ext uri="{AF507438-7753-43e0-B8FC-AC1667EBCBE1}">
-            <a14:hiddenEffects xmlns="" xmlns:a14="http://schemas.microsoft.com/office/drawing/2010/main">
+            <a14:hiddenEffects xmlns:a14="http://schemas.microsoft.com/office/drawing/2010/main" xmlns="">
               <a:effectLst>
                 <a:outerShdw blurRad="63500" dist="35921" dir="2700000" algn="ctr" rotWithShape="0">
                   <a:schemeClr val="bg2"/>
@@ -12983,24 +12983,6 @@
 </file>
 
 <file path=customXml/item1.xml><?xml version="1.0" encoding="utf-8"?>
-<p:properties xmlns:p="http://schemas.microsoft.com/office/2006/metadata/properties" xmlns:xsi="http://www.w3.org/2001/XMLSchema-instance" xmlns:pc="http://schemas.microsoft.com/office/infopath/2007/PartnerControls">
-  <documentManagement>
-    <PublishingExpirationDate xmlns="http://schemas.microsoft.com/sharepoint/v3" xsi:nil="true"/>
-    <PublishingStartDate xmlns="http://schemas.microsoft.com/sharepoint/v3" xsi:nil="true"/>
-  </documentManagement>
-</p:properties>
-</file>
-
-<file path=customXml/item2.xml><?xml version="1.0" encoding="utf-8"?>
-<?mso-contentType ?>
-<FormTemplates xmlns="http://schemas.microsoft.com/sharepoint/v3/contenttype/forms">
-  <Display>DocumentLibraryForm</Display>
-  <Edit>DocumentLibraryForm</Edit>
-  <New>DocumentLibraryForm</New>
-</FormTemplates>
-</file>
-
-<file path=customXml/item3.xml><?xml version="1.0" encoding="utf-8"?>
 <ct:contentTypeSchema xmlns:ct="http://schemas.microsoft.com/office/2006/metadata/contentType" xmlns:ma="http://schemas.microsoft.com/office/2006/metadata/properties/metaAttributes" ct:_="" ma:_="" ma:contentTypeName="Document" ma:contentTypeID="0x0101008E38C1F9A94EA24FA773DB05A310DC65" ma:contentTypeVersion="1" ma:contentTypeDescription="Create a new document." ma:contentTypeScope="" ma:versionID="f8b31c6be46461ae1a838e717dc40537">
   <xsd:schema xmlns:xsd="http://www.w3.org/2001/XMLSchema" xmlns:xs="http://www.w3.org/2001/XMLSchema" xmlns:p="http://schemas.microsoft.com/office/2006/metadata/properties" xmlns:ns1="http://schemas.microsoft.com/sharepoint/v3" targetNamespace="http://schemas.microsoft.com/office/2006/metadata/properties" ma:root="true" ma:fieldsID="fa06d6fac6d8f3ef9a355fe6c8a09ea9" ns1:_="">
     <xsd:import namespace="http://schemas.microsoft.com/sharepoint/v3"/>
@@ -13132,31 +13114,25 @@
 </ct:contentTypeSchema>
 </file>
 
-<file path=customXml/itemProps1.xml><?xml version="1.0" encoding="utf-8"?>
-<ds:datastoreItem xmlns:ds="http://schemas.openxmlformats.org/officeDocument/2006/customXml" ds:itemID="{0557CDEA-3175-4F55-B6CB-C3CBA914B070}">
-  <ds:schemaRefs>
-    <ds:schemaRef ds:uri="http://purl.org/dc/terms/"/>
-    <ds:schemaRef ds:uri="http://schemas.microsoft.com/office/infopath/2007/PartnerControls"/>
-    <ds:schemaRef ds:uri="http://schemas.microsoft.com/office/2006/documentManagement/types"/>
-    <ds:schemaRef ds:uri="http://schemas.microsoft.com/office/2006/metadata/properties"/>
-    <ds:schemaRef ds:uri="http://www.w3.org/XML/1998/namespace"/>
-    <ds:schemaRef ds:uri="http://purl.org/dc/elements/1.1/"/>
-    <ds:schemaRef ds:uri="http://schemas.openxmlformats.org/package/2006/metadata/core-properties"/>
-    <ds:schemaRef ds:uri="http://schemas.microsoft.com/sharepoint/v3"/>
-    <ds:schemaRef ds:uri="http://purl.org/dc/dcmitype/"/>
-  </ds:schemaRefs>
-</ds:datastoreItem>
+<file path=customXml/item2.xml><?xml version="1.0" encoding="utf-8"?>
+<?mso-contentType ?>
+<FormTemplates xmlns="http://schemas.microsoft.com/sharepoint/v3/contenttype/forms">
+  <Display>DocumentLibraryForm</Display>
+  <Edit>DocumentLibraryForm</Edit>
+  <New>DocumentLibraryForm</New>
+</FormTemplates>
 </file>
 
-<file path=customXml/itemProps2.xml><?xml version="1.0" encoding="utf-8"?>
-<ds:datastoreItem xmlns:ds="http://schemas.openxmlformats.org/officeDocument/2006/customXml" ds:itemID="{68C0BFE6-1CAB-4438-B6CF-01E8AE16BD25}">
-  <ds:schemaRefs>
-    <ds:schemaRef ds:uri="http://schemas.microsoft.com/sharepoint/v3/contenttype/forms"/>
-  </ds:schemaRefs>
-</ds:datastoreItem>
+<file path=customXml/item3.xml><?xml version="1.0" encoding="utf-8"?>
+<p:properties xmlns:p="http://schemas.microsoft.com/office/2006/metadata/properties" xmlns:xsi="http://www.w3.org/2001/XMLSchema-instance" xmlns:pc="http://schemas.microsoft.com/office/infopath/2007/PartnerControls">
+  <documentManagement>
+    <PublishingExpirationDate xmlns="http://schemas.microsoft.com/sharepoint/v3" xsi:nil="true"/>
+    <PublishingStartDate xmlns="http://schemas.microsoft.com/sharepoint/v3" xsi:nil="true"/>
+  </documentManagement>
+</p:properties>
 </file>
 
-<file path=customXml/itemProps3.xml><?xml version="1.0" encoding="utf-8"?>
+<file path=customXml/itemProps1.xml><?xml version="1.0" encoding="utf-8"?>
 <ds:datastoreItem xmlns:ds="http://schemas.openxmlformats.org/officeDocument/2006/customXml" ds:itemID="{9CEBD313-5E48-4A87-B097-AA011A8973C8}">
   <ds:schemaRefs>
     <ds:schemaRef ds:uri="http://schemas.microsoft.com/office/2006/metadata/contentType"/>
@@ -13172,4 +13148,28 @@
     <ds:schemaRef ds:uri="http://schemas.microsoft.com/internal/obd"/>
   </ds:schemaRefs>
 </ds:datastoreItem>
+</file>
+
+<file path=customXml/itemProps2.xml><?xml version="1.0" encoding="utf-8"?>
+<ds:datastoreItem xmlns:ds="http://schemas.openxmlformats.org/officeDocument/2006/customXml" ds:itemID="{68C0BFE6-1CAB-4438-B6CF-01E8AE16BD25}">
+  <ds:schemaRefs>
+    <ds:schemaRef ds:uri="http://schemas.microsoft.com/sharepoint/v3/contenttype/forms"/>
+  </ds:schemaRefs>
+</ds:datastoreItem>
+</file>
+
+<file path=customXml/itemProps3.xml><?xml version="1.0" encoding="utf-8"?>
+<ds:datastoreItem xmlns:ds="http://schemas.openxmlformats.org/officeDocument/2006/customXml" ds:itemID="{0557CDEA-3175-4F55-B6CB-C3CBA914B070}">
+  <ds:schemaRefs>
+    <ds:schemaRef ds:uri="http://purl.org/dc/terms/"/>
+    <ds:schemaRef ds:uri="http://schemas.microsoft.com/office/infopath/2007/PartnerControls"/>
+    <ds:schemaRef ds:uri="http://schemas.microsoft.com/office/2006/documentManagement/types"/>
+    <ds:schemaRef ds:uri="http://schemas.microsoft.com/office/2006/metadata/properties"/>
+    <ds:schemaRef ds:uri="http://www.w3.org/XML/1998/namespace"/>
+    <ds:schemaRef ds:uri="http://purl.org/dc/elements/1.1/"/>
+    <ds:schemaRef ds:uri="http://schemas.openxmlformats.org/package/2006/metadata/core-properties"/>
+    <ds:schemaRef ds:uri="http://schemas.microsoft.com/sharepoint/v3"/>
+    <ds:schemaRef ds:uri="http://purl.org/dc/dcmitype/"/>
+  </ds:schemaRefs>
+</ds:datastoreItem>
 </file>